--- a/Development Resources/Presentation.pptx
+++ b/Development Resources/Presentation.pptx
@@ -139,7 +139,7 @@
   </p:defaultTextStyle>
   <p:extLst>
     <p:ext uri="{EFAFB233-063F-42B5-8137-9DF3F51BA10A}">
-      <p15:sldGuideLst xmlns:p15="http://schemas.microsoft.com/office/powerpoint/2012/main">
+      <p15:sldGuideLst xmlns:p15="http://schemas.microsoft.com/office/powerpoint/2012/main" xmlns="">
         <p15:guide id="1" orient="horz" pos="2160">
           <p15:clr>
             <a:srgbClr val="A4A3A4"/>
@@ -153,7 +153,7 @@
       </p15:sldGuideLst>
     </p:ext>
     <p:ext uri="{2D200454-40CA-4A62-9FC3-DE9A4176ACB9}">
-      <p15:notesGuideLst xmlns:p15="http://schemas.microsoft.com/office/powerpoint/2012/main">
+      <p15:notesGuideLst xmlns:p15="http://schemas.microsoft.com/office/powerpoint/2012/main" xmlns="">
         <p15:guide id="1" orient="horz" pos="2880">
           <p15:clr>
             <a:srgbClr val="A4A3A4"/>
@@ -253,7 +253,7 @@
             <a:fld id="{C34D043B-E69E-4CB9-9D86-7B1E030E8BFD}" type="datetimeFigureOut">
               <a:rPr lang="en-US" smtClean="0"/>
               <a:pPr/>
-              <a:t>5/7/2014</a:t>
+              <a:t>5/8/2014</a:t>
             </a:fld>
             <a:endParaRPr lang="en-US"/>
           </a:p>
@@ -1690,7 +1690,7 @@
             <a:fld id="{B61BEF0D-F0BB-DE4B-95CE-6DB70DBA9567}" type="datetimeFigureOut">
               <a:rPr lang="en-US" smtClean="0"/>
               <a:pPr/>
-              <a:t>5/7/2014</a:t>
+              <a:t>5/8/2014</a:t>
             </a:fld>
             <a:endParaRPr lang="en-US" dirty="0"/>
           </a:p>
@@ -2103,7 +2103,7 @@
             <a:fld id="{B61BEF0D-F0BB-DE4B-95CE-6DB70DBA9567}" type="datetimeFigureOut">
               <a:rPr lang="en-US" smtClean="0"/>
               <a:pPr/>
-              <a:t>5/7/2014</a:t>
+              <a:t>5/8/2014</a:t>
             </a:fld>
             <a:endParaRPr lang="en-US" dirty="0"/>
           </a:p>
@@ -2353,7 +2353,7 @@
             <a:fld id="{B61BEF0D-F0BB-DE4B-95CE-6DB70DBA9567}" type="datetimeFigureOut">
               <a:rPr lang="en-US" smtClean="0"/>
               <a:pPr/>
-              <a:t>5/7/2014</a:t>
+              <a:t>5/8/2014</a:t>
             </a:fld>
             <a:endParaRPr lang="en-US" dirty="0"/>
           </a:p>
@@ -2895,7 +2895,7 @@
             <a:fld id="{B61BEF0D-F0BB-DE4B-95CE-6DB70DBA9567}" type="datetimeFigureOut">
               <a:rPr lang="en-US" smtClean="0"/>
               <a:pPr/>
-              <a:t>5/7/2014</a:t>
+              <a:t>5/8/2014</a:t>
             </a:fld>
             <a:endParaRPr lang="en-US" dirty="0"/>
           </a:p>
@@ -3145,7 +3145,7 @@
             <a:fld id="{B61BEF0D-F0BB-DE4B-95CE-6DB70DBA9567}" type="datetimeFigureOut">
               <a:rPr lang="en-US" smtClean="0"/>
               <a:pPr/>
-              <a:t>5/7/2014</a:t>
+              <a:t>5/8/2014</a:t>
             </a:fld>
             <a:endParaRPr lang="en-US" dirty="0"/>
           </a:p>
@@ -3679,7 +3679,7 @@
             <a:fld id="{B61BEF0D-F0BB-DE4B-95CE-6DB70DBA9567}" type="datetimeFigureOut">
               <a:rPr lang="en-US" smtClean="0"/>
               <a:pPr/>
-              <a:t>5/7/2014</a:t>
+              <a:t>5/8/2014</a:t>
             </a:fld>
             <a:endParaRPr lang="en-US" dirty="0"/>
           </a:p>
@@ -3978,7 +3978,7 @@
             <a:fld id="{B61BEF0D-F0BB-DE4B-95CE-6DB70DBA9567}" type="datetimeFigureOut">
               <a:rPr lang="en-US" smtClean="0"/>
               <a:pPr/>
-              <a:t>5/7/2014</a:t>
+              <a:t>5/8/2014</a:t>
             </a:fld>
             <a:endParaRPr lang="en-US" dirty="0"/>
           </a:p>
@@ -4154,7 +4154,7 @@
             <a:fld id="{B61BEF0D-F0BB-DE4B-95CE-6DB70DBA9567}" type="datetimeFigureOut">
               <a:rPr lang="en-US" smtClean="0"/>
               <a:pPr/>
-              <a:t>5/7/2014</a:t>
+              <a:t>5/8/2014</a:t>
             </a:fld>
             <a:endParaRPr lang="en-US" dirty="0"/>
           </a:p>
@@ -4336,7 +4336,7 @@
             <a:fld id="{B61BEF0D-F0BB-DE4B-95CE-6DB70DBA9567}" type="datetimeFigureOut">
               <a:rPr lang="en-US" smtClean="0"/>
               <a:pPr/>
-              <a:t>5/7/2014</a:t>
+              <a:t>5/8/2014</a:t>
             </a:fld>
             <a:endParaRPr lang="en-US" dirty="0"/>
           </a:p>
@@ -4523,7 +4523,7 @@
             <a:fld id="{B61BEF0D-F0BB-DE4B-95CE-6DB70DBA9567}" type="datetimeFigureOut">
               <a:rPr lang="en-US" smtClean="0"/>
               <a:pPr/>
-              <a:t>5/7/2014</a:t>
+              <a:t>5/8/2014</a:t>
             </a:fld>
             <a:endParaRPr lang="en-US" dirty="0"/>
           </a:p>
@@ -4781,7 +4781,7 @@
             <a:fld id="{B61BEF0D-F0BB-DE4B-95CE-6DB70DBA9567}" type="datetimeFigureOut">
               <a:rPr lang="en-US" smtClean="0"/>
               <a:pPr/>
-              <a:t>5/7/2014</a:t>
+              <a:t>5/8/2014</a:t>
             </a:fld>
             <a:endParaRPr lang="en-US" dirty="0"/>
           </a:p>
@@ -5085,7 +5085,7 @@
             <a:fld id="{B61BEF0D-F0BB-DE4B-95CE-6DB70DBA9567}" type="datetimeFigureOut">
               <a:rPr lang="en-US" smtClean="0"/>
               <a:pPr/>
-              <a:t>5/7/2014</a:t>
+              <a:t>5/8/2014</a:t>
             </a:fld>
             <a:endParaRPr lang="en-US" dirty="0"/>
           </a:p>
@@ -5529,7 +5529,7 @@
             <a:fld id="{B61BEF0D-F0BB-DE4B-95CE-6DB70DBA9567}" type="datetimeFigureOut">
               <a:rPr lang="en-US" smtClean="0"/>
               <a:pPr/>
-              <a:t>5/7/2014</a:t>
+              <a:t>5/8/2014</a:t>
             </a:fld>
             <a:endParaRPr lang="en-US" dirty="0"/>
           </a:p>
@@ -5649,7 +5649,7 @@
             <a:fld id="{B61BEF0D-F0BB-DE4B-95CE-6DB70DBA9567}" type="datetimeFigureOut">
               <a:rPr lang="en-US" smtClean="0"/>
               <a:pPr/>
-              <a:t>5/7/2014</a:t>
+              <a:t>5/8/2014</a:t>
             </a:fld>
             <a:endParaRPr lang="en-US" dirty="0"/>
           </a:p>
@@ -5746,7 +5746,7 @@
             <a:fld id="{B61BEF0D-F0BB-DE4B-95CE-6DB70DBA9567}" type="datetimeFigureOut">
               <a:rPr lang="en-US" smtClean="0"/>
               <a:pPr/>
-              <a:t>5/7/2014</a:t>
+              <a:t>5/8/2014</a:t>
             </a:fld>
             <a:endParaRPr lang="en-US" dirty="0"/>
           </a:p>
@@ -6031,7 +6031,7 @@
             <a:fld id="{B61BEF0D-F0BB-DE4B-95CE-6DB70DBA9567}" type="datetimeFigureOut">
               <a:rPr lang="en-US" smtClean="0"/>
               <a:pPr/>
-              <a:t>5/7/2014</a:t>
+              <a:t>5/8/2014</a:t>
             </a:fld>
             <a:endParaRPr lang="en-US" dirty="0"/>
           </a:p>
@@ -6324,7 +6324,7 @@
             <a:fld id="{B61BEF0D-F0BB-DE4B-95CE-6DB70DBA9567}" type="datetimeFigureOut">
               <a:rPr lang="en-US" smtClean="0"/>
               <a:pPr/>
-              <a:t>5/7/2014</a:t>
+              <a:t>5/8/2014</a:t>
             </a:fld>
             <a:endParaRPr lang="en-US" dirty="0"/>
           </a:p>
@@ -6850,7 +6850,7 @@
             <a:fld id="{B61BEF0D-F0BB-DE4B-95CE-6DB70DBA9567}" type="datetimeFigureOut">
               <a:rPr lang="en-US" smtClean="0"/>
               <a:pPr/>
-              <a:t>5/7/2014</a:t>
+              <a:t>5/8/2014</a:t>
             </a:fld>
             <a:endParaRPr lang="en-US" dirty="0"/>
           </a:p>
@@ -8079,7 +8079,7 @@
           <a:graphicData uri="http://schemas.openxmlformats.org/presentationml/2006/ole">
             <mc:AlternateContent xmlns:mc="http://schemas.openxmlformats.org/markup-compatibility/2006">
               <mc:Choice xmlns:v="urn:schemas-microsoft-com:vml" Requires="v">
-                <p:oleObj spid="_x0000_s2070" name="Image" r:id="rId3" imgW="8596825" imgH="4533333" progId="">
+                <p:oleObj spid="_x0000_s2072" name="Image" r:id="rId3" imgW="8596825" imgH="4533333" progId="">
                   <p:embed/>
                 </p:oleObj>
               </mc:Choice>
@@ -8486,7 +8486,7 @@
           <a:p>
             <a:r>
               <a:rPr lang="en-US" dirty="0" err="1" smtClean="0"/>
-              <a:t>RoyalitesController</a:t>
+              <a:t>RoyaltiesController</a:t>
             </a:r>
             <a:endParaRPr lang="en-US" dirty="0"/>
           </a:p>
@@ -8562,22 +8562,26 @@
               <a:t>  manages the  </a:t>
             </a:r>
             <a:r>
+              <a:rPr lang="en-US" dirty="0" smtClean="0"/>
+              <a:t>royalties </a:t>
+            </a:r>
+            <a:r>
+              <a:rPr lang="en-US" dirty="0" smtClean="0"/>
+              <a:t>.</a:t>
+            </a:r>
+          </a:p>
+          <a:p>
+            <a:r>
               <a:rPr lang="en-US" dirty="0" err="1" smtClean="0"/>
-              <a:t>royalities</a:t>
+              <a:t>RoyaltiesController</a:t>
             </a:r>
             <a:r>
               <a:rPr lang="en-US" dirty="0" smtClean="0"/>
-              <a:t> .</a:t>
-            </a:r>
-          </a:p>
-          <a:p>
-            <a:r>
-              <a:rPr lang="en-US" dirty="0" err="1" smtClean="0"/>
-              <a:t>RoyalitesController</a:t>
+              <a:t>  </a:t>
             </a:r>
             <a:r>
               <a:rPr lang="en-US" dirty="0" smtClean="0"/>
-              <a:t>  has a gets Royalties: ID, Name, Phone Number , Ext, Addresses , Website, E-mail, PPOC, Royalties.</a:t>
+              <a:t>has a gets Royalties: ID, Name, Phone Number , Ext, Addresses , Website, E-mail, PPOC, Royalties.</a:t>
             </a:r>
           </a:p>
           <a:p>
@@ -8979,7 +8983,7 @@
             </a:r>
             <a:r>
               <a:rPr lang="en-US" dirty="0" err="1" smtClean="0"/>
-              <a:t>RoyalitiesController</a:t>
+              <a:t>RoyaltiesController</a:t>
             </a:r>
             <a:r>
               <a:rPr lang="en-US" dirty="0" smtClean="0"/>
@@ -9250,6 +9254,7 @@
             <a:off x="629526" y="2140935"/>
             <a:ext cx="3867817" cy="4476306"/>
           </a:xfrm>
+          <a:noFill/>
         </p:spPr>
       </p:pic>
       <p:sp>
@@ -9288,7 +9293,7 @@
         <p:spPr/>
         <p:txBody>
           <a:bodyPr>
-            <a:normAutofit fontScale="85000" lnSpcReduction="10000"/>
+            <a:noAutofit/>
           </a:bodyPr>
           <a:lstStyle/>
           <a:p>
@@ -9925,7 +9930,7 @@
           <a:graphicData uri="http://schemas.openxmlformats.org/presentationml/2006/ole">
             <mc:AlternateContent xmlns:mc="http://schemas.openxmlformats.org/markup-compatibility/2006">
               <mc:Choice xmlns:v="urn:schemas-microsoft-com:vml" Requires="v">
-                <p:oleObj spid="_x0000_s3094" name="Image" r:id="rId3" imgW="17587302" imgH="3212698" progId="">
+                <p:oleObj spid="_x0000_s3096" name="Image" r:id="rId3" imgW="17587302" imgH="3212698" progId="">
                   <p:embed/>
                 </p:oleObj>
               </mc:Choice>
@@ -10069,7 +10074,7 @@
           <a:graphicData uri="http://schemas.openxmlformats.org/presentationml/2006/ole">
             <mc:AlternateContent xmlns:mc="http://schemas.openxmlformats.org/markup-compatibility/2006">
               <mc:Choice xmlns:v="urn:schemas-microsoft-com:vml" Requires="v">
-                <p:oleObj spid="_x0000_s4138" name="Image" r:id="rId3" imgW="4634921" imgH="8165079" progId="">
+                <p:oleObj spid="_x0000_s4142" name="Image" r:id="rId3" imgW="4634921" imgH="8165079" progId="">
                   <p:embed/>
                 </p:oleObj>
               </mc:Choice>
@@ -10153,7 +10158,7 @@
           <a:graphicData uri="http://schemas.openxmlformats.org/presentationml/2006/ole">
             <mc:AlternateContent xmlns:mc="http://schemas.openxmlformats.org/markup-compatibility/2006">
               <mc:Choice xmlns:v="urn:schemas-microsoft-com:vml" Requires="v">
-                <p:oleObj spid="_x0000_s4139" name="Image" r:id="rId5" imgW="3530159" imgH="11619048" progId="">
+                <p:oleObj spid="_x0000_s4143" name="Image" r:id="rId5" imgW="3530159" imgH="11619048" progId="">
                   <p:embed/>
                 </p:oleObj>
               </mc:Choice>
@@ -10274,7 +10279,7 @@
           <a:graphicData uri="http://schemas.openxmlformats.org/presentationml/2006/ole">
             <mc:AlternateContent xmlns:mc="http://schemas.openxmlformats.org/markup-compatibility/2006">
               <mc:Choice xmlns:v="urn:schemas-microsoft-com:vml" Requires="v">
-                <p:oleObj spid="_x0000_s5142" name="Image" r:id="rId3" imgW="8292063" imgH="7403175" progId="">
+                <p:oleObj spid="_x0000_s5144" name="Image" r:id="rId3" imgW="8292063" imgH="7403175" progId="">
                   <p:embed/>
                 </p:oleObj>
               </mc:Choice>
@@ -10442,21 +10447,21 @@
           <a:p>
             <a:r>
               <a:rPr lang="en-US" dirty="0" smtClean="0"/>
-              <a:t>To make it easier to track sales, expenses, patterns, </a:t>
-            </a:r>
-            <a:r>
-              <a:rPr lang="en-US" dirty="0" err="1" smtClean="0"/>
-              <a:t>ect</a:t>
+              <a:t>To </a:t>
             </a:r>
             <a:r>
               <a:rPr lang="en-US" dirty="0" smtClean="0"/>
-              <a:t>.</a:t>
-            </a:r>
-          </a:p>
-          <a:p>
+              <a:t>help personnel by including informative descriptions for each </a:t>
+            </a:r>
             <a:r>
               <a:rPr lang="en-US" dirty="0" smtClean="0"/>
-              <a:t>To help personnel by including informative descriptions for each item</a:t>
+              <a:t>item</a:t>
+            </a:r>
+          </a:p>
+          <a:p>
+            <a:r>
+              <a:rPr lang="en-US" dirty="0" smtClean="0"/>
+              <a:t>To keep track of other information related to stock, such as royalties and vendors</a:t>
             </a:r>
             <a:endParaRPr lang="en-US" dirty="0"/>
           </a:p>
@@ -10613,7 +10618,9 @@
         </p:nvSpPr>
         <p:spPr/>
         <p:txBody>
-          <a:bodyPr/>
+          <a:bodyPr>
+            <a:normAutofit fontScale="92500" lnSpcReduction="10000"/>
+          </a:bodyPr>
           <a:lstStyle/>
           <a:p>
             <a:r>
@@ -10680,7 +10687,35 @@
             </a:r>
           </a:p>
           <a:p>
-            <a:endParaRPr lang="en-US" dirty="0"/>
+            <a:r>
+              <a:rPr lang="en-US" dirty="0">
+                <a:hlinkClick r:id="rId4"/>
+              </a:rPr>
+              <a:t>http://creativecommons.org/licenses/by/3.0</a:t>
+            </a:r>
+            <a:r>
+              <a:rPr lang="en-US" dirty="0" smtClean="0">
+                <a:hlinkClick r:id="rId4"/>
+              </a:rPr>
+              <a:t>/</a:t>
+            </a:r>
+            <a:r>
+              <a:rPr lang="en-US" dirty="0" smtClean="0"/>
+              <a:t> - Creative Commons License for </a:t>
+            </a:r>
+            <a:r>
+              <a:rPr lang="en-US" b="1" dirty="0" err="1"/>
+              <a:t>Linecons</a:t>
+            </a:r>
+            <a:r>
+              <a:rPr lang="en-US" b="1" dirty="0"/>
+              <a:t> Free – Vector Icons Pack by </a:t>
+            </a:r>
+            <a:r>
+              <a:rPr lang="en-US" b="1" dirty="0" err="1" smtClean="0"/>
+              <a:t>Designmodo</a:t>
+            </a:r>
+            <a:endParaRPr lang="en-US" b="1" dirty="0"/>
           </a:p>
         </p:txBody>
       </p:sp>
@@ -11513,7 +11548,7 @@
   <a:extraClrSchemeLst/>
   <a:extLst>
     <a:ext uri="{05A4C25C-085E-4340-85A3-A5531E510DB2}">
-      <thm15:themeFamily xmlns:thm15="http://schemas.microsoft.com/office/thememl/2012/main" name="Parallax" id="{3388167B-A2EB-4685-9635-1831D9AEF8C4}" vid="{93B4CCAC-FD5A-4D59-B1AC-EAF45910B5A9}"/>
+      <thm15:themeFamily xmlns:thm15="http://schemas.microsoft.com/office/thememl/2012/main" xmlns="" name="Parallax" id="{3388167B-A2EB-4685-9635-1831D9AEF8C4}" vid="{93B4CCAC-FD5A-4D59-B1AC-EAF45910B5A9}"/>
     </a:ext>
   </a:extLst>
 </a:theme>

--- a/Development Resources/Presentation.pptx
+++ b/Development Resources/Presentation.pptx
@@ -5,40 +5,36 @@
     <p:sldMasterId id="2147483668" r:id="rId1"/>
   </p:sldMasterIdLst>
   <p:notesMasterIdLst>
-    <p:notesMasterId r:id="rId33"/>
+    <p:notesMasterId r:id="rId29"/>
   </p:notesMasterIdLst>
   <p:sldIdLst>
     <p:sldId id="256" r:id="rId2"/>
-    <p:sldId id="266" r:id="rId3"/>
-    <p:sldId id="288" r:id="rId4"/>
-    <p:sldId id="283" r:id="rId5"/>
-    <p:sldId id="284" r:id="rId6"/>
-    <p:sldId id="285" r:id="rId7"/>
-    <p:sldId id="286" r:id="rId8"/>
-    <p:sldId id="265" r:id="rId9"/>
-    <p:sldId id="273" r:id="rId10"/>
-    <p:sldId id="270" r:id="rId11"/>
-    <p:sldId id="271" r:id="rId12"/>
-    <p:sldId id="272" r:id="rId13"/>
-    <p:sldId id="274" r:id="rId14"/>
-    <p:sldId id="267" r:id="rId15"/>
-    <p:sldId id="260" r:id="rId16"/>
-    <p:sldId id="275" r:id="rId17"/>
-    <p:sldId id="269" r:id="rId18"/>
-    <p:sldId id="276" r:id="rId19"/>
-    <p:sldId id="277" r:id="rId20"/>
-    <p:sldId id="278" r:id="rId21"/>
-    <p:sldId id="279" r:id="rId22"/>
-    <p:sldId id="280" r:id="rId23"/>
-    <p:sldId id="281" r:id="rId24"/>
-    <p:sldId id="282" r:id="rId25"/>
-    <p:sldId id="268" r:id="rId26"/>
-    <p:sldId id="263" r:id="rId27"/>
-    <p:sldId id="257" r:id="rId28"/>
-    <p:sldId id="258" r:id="rId29"/>
-    <p:sldId id="259" r:id="rId30"/>
-    <p:sldId id="264" r:id="rId31"/>
-    <p:sldId id="262" r:id="rId32"/>
+    <p:sldId id="288" r:id="rId3"/>
+    <p:sldId id="283" r:id="rId4"/>
+    <p:sldId id="284" r:id="rId5"/>
+    <p:sldId id="285" r:id="rId6"/>
+    <p:sldId id="286" r:id="rId7"/>
+    <p:sldId id="273" r:id="rId8"/>
+    <p:sldId id="270" r:id="rId9"/>
+    <p:sldId id="271" r:id="rId10"/>
+    <p:sldId id="272" r:id="rId11"/>
+    <p:sldId id="274" r:id="rId12"/>
+    <p:sldId id="260" r:id="rId13"/>
+    <p:sldId id="275" r:id="rId14"/>
+    <p:sldId id="269" r:id="rId15"/>
+    <p:sldId id="276" r:id="rId16"/>
+    <p:sldId id="277" r:id="rId17"/>
+    <p:sldId id="278" r:id="rId18"/>
+    <p:sldId id="279" r:id="rId19"/>
+    <p:sldId id="280" r:id="rId20"/>
+    <p:sldId id="281" r:id="rId21"/>
+    <p:sldId id="282" r:id="rId22"/>
+    <p:sldId id="263" r:id="rId23"/>
+    <p:sldId id="257" r:id="rId24"/>
+    <p:sldId id="258" r:id="rId25"/>
+    <p:sldId id="259" r:id="rId26"/>
+    <p:sldId id="264" r:id="rId27"/>
+    <p:sldId id="262" r:id="rId28"/>
   </p:sldIdLst>
   <p:sldSz cx="9144000" cy="6858000" type="screen4x3"/>
   <p:notesSz cx="6858000" cy="9144000"/>
@@ -139,7 +135,7 @@
   </p:defaultTextStyle>
   <p:extLst>
     <p:ext uri="{EFAFB233-063F-42B5-8137-9DF3F51BA10A}">
-      <p15:sldGuideLst xmlns:p15="http://schemas.microsoft.com/office/powerpoint/2012/main" xmlns="">
+      <p15:sldGuideLst xmlns:p15="http://schemas.microsoft.com/office/powerpoint/2012/main">
         <p15:guide id="1" orient="horz" pos="2160">
           <p15:clr>
             <a:srgbClr val="A4A3A4"/>
@@ -153,7 +149,7 @@
       </p15:sldGuideLst>
     </p:ext>
     <p:ext uri="{2D200454-40CA-4A62-9FC3-DE9A4176ACB9}">
-      <p15:notesGuideLst xmlns:p15="http://schemas.microsoft.com/office/powerpoint/2012/main" xmlns="">
+      <p15:notesGuideLst xmlns:p15="http://schemas.microsoft.com/office/powerpoint/2012/main">
         <p15:guide id="1" orient="horz" pos="2880">
           <p15:clr>
             <a:srgbClr val="A4A3A4"/>
@@ -253,7 +249,7 @@
             <a:fld id="{C34D043B-E69E-4CB9-9D86-7B1E030E8BFD}" type="datetimeFigureOut">
               <a:rPr lang="en-US" smtClean="0"/>
               <a:pPr/>
-              <a:t>5/8/2014</a:t>
+              <a:t>5/9/2014</a:t>
             </a:fld>
             <a:endParaRPr lang="en-US"/>
           </a:p>
@@ -596,7 +592,7 @@
             <a:fld id="{C14EAC13-16BE-4E85-9F32-63F284C84B82}" type="slidenum">
               <a:rPr lang="en-US" smtClean="0"/>
               <a:pPr/>
-              <a:t>4</a:t>
+              <a:t>3</a:t>
             </a:fld>
             <a:endParaRPr lang="en-US"/>
           </a:p>
@@ -681,7 +677,7 @@
             <a:fld id="{C14EAC13-16BE-4E85-9F32-63F284C84B82}" type="slidenum">
               <a:rPr lang="en-US" smtClean="0"/>
               <a:pPr/>
-              <a:t>5</a:t>
+              <a:t>4</a:t>
             </a:fld>
             <a:endParaRPr lang="en-US"/>
           </a:p>
@@ -774,7 +770,7 @@
             <a:fld id="{C14EAC13-16BE-4E85-9F32-63F284C84B82}" type="slidenum">
               <a:rPr lang="en-US" smtClean="0"/>
               <a:pPr/>
-              <a:t>9</a:t>
+              <a:t>7</a:t>
             </a:fld>
             <a:endParaRPr lang="en-US"/>
           </a:p>
@@ -863,7 +859,7 @@
             <a:fld id="{C14EAC13-16BE-4E85-9F32-63F284C84B82}" type="slidenum">
               <a:rPr lang="en-US" smtClean="0"/>
               <a:pPr/>
-              <a:t>10</a:t>
+              <a:t>8</a:t>
             </a:fld>
             <a:endParaRPr lang="en-US"/>
           </a:p>
@@ -964,7 +960,7 @@
             <a:fld id="{C14EAC13-16BE-4E85-9F32-63F284C84B82}" type="slidenum">
               <a:rPr lang="en-US" smtClean="0"/>
               <a:pPr/>
-              <a:t>11</a:t>
+              <a:t>9</a:t>
             </a:fld>
             <a:endParaRPr lang="en-US"/>
           </a:p>
@@ -1053,7 +1049,7 @@
             <a:fld id="{C14EAC13-16BE-4E85-9F32-63F284C84B82}" type="slidenum">
               <a:rPr lang="en-US" smtClean="0"/>
               <a:pPr/>
-              <a:t>12</a:t>
+              <a:t>10</a:t>
             </a:fld>
             <a:endParaRPr lang="en-US"/>
           </a:p>
@@ -1154,7 +1150,7 @@
             <a:fld id="{C14EAC13-16BE-4E85-9F32-63F284C84B82}" type="slidenum">
               <a:rPr lang="en-US" smtClean="0"/>
               <a:pPr/>
-              <a:t>13</a:t>
+              <a:t>11</a:t>
             </a:fld>
             <a:endParaRPr lang="en-US"/>
           </a:p>
@@ -1690,7 +1686,7 @@
             <a:fld id="{B61BEF0D-F0BB-DE4B-95CE-6DB70DBA9567}" type="datetimeFigureOut">
               <a:rPr lang="en-US" smtClean="0"/>
               <a:pPr/>
-              <a:t>5/8/2014</a:t>
+              <a:t>5/9/2014</a:t>
             </a:fld>
             <a:endParaRPr lang="en-US" dirty="0"/>
           </a:p>
@@ -2103,7 +2099,7 @@
             <a:fld id="{B61BEF0D-F0BB-DE4B-95CE-6DB70DBA9567}" type="datetimeFigureOut">
               <a:rPr lang="en-US" smtClean="0"/>
               <a:pPr/>
-              <a:t>5/8/2014</a:t>
+              <a:t>5/9/2014</a:t>
             </a:fld>
             <a:endParaRPr lang="en-US" dirty="0"/>
           </a:p>
@@ -2353,7 +2349,7 @@
             <a:fld id="{B61BEF0D-F0BB-DE4B-95CE-6DB70DBA9567}" type="datetimeFigureOut">
               <a:rPr lang="en-US" smtClean="0"/>
               <a:pPr/>
-              <a:t>5/8/2014</a:t>
+              <a:t>5/9/2014</a:t>
             </a:fld>
             <a:endParaRPr lang="en-US" dirty="0"/>
           </a:p>
@@ -2895,7 +2891,7 @@
             <a:fld id="{B61BEF0D-F0BB-DE4B-95CE-6DB70DBA9567}" type="datetimeFigureOut">
               <a:rPr lang="en-US" smtClean="0"/>
               <a:pPr/>
-              <a:t>5/8/2014</a:t>
+              <a:t>5/9/2014</a:t>
             </a:fld>
             <a:endParaRPr lang="en-US" dirty="0"/>
           </a:p>
@@ -3145,7 +3141,7 @@
             <a:fld id="{B61BEF0D-F0BB-DE4B-95CE-6DB70DBA9567}" type="datetimeFigureOut">
               <a:rPr lang="en-US" smtClean="0"/>
               <a:pPr/>
-              <a:t>5/8/2014</a:t>
+              <a:t>5/9/2014</a:t>
             </a:fld>
             <a:endParaRPr lang="en-US" dirty="0"/>
           </a:p>
@@ -3679,7 +3675,7 @@
             <a:fld id="{B61BEF0D-F0BB-DE4B-95CE-6DB70DBA9567}" type="datetimeFigureOut">
               <a:rPr lang="en-US" smtClean="0"/>
               <a:pPr/>
-              <a:t>5/8/2014</a:t>
+              <a:t>5/9/2014</a:t>
             </a:fld>
             <a:endParaRPr lang="en-US" dirty="0"/>
           </a:p>
@@ -3978,7 +3974,7 @@
             <a:fld id="{B61BEF0D-F0BB-DE4B-95CE-6DB70DBA9567}" type="datetimeFigureOut">
               <a:rPr lang="en-US" smtClean="0"/>
               <a:pPr/>
-              <a:t>5/8/2014</a:t>
+              <a:t>5/9/2014</a:t>
             </a:fld>
             <a:endParaRPr lang="en-US" dirty="0"/>
           </a:p>
@@ -4154,7 +4150,7 @@
             <a:fld id="{B61BEF0D-F0BB-DE4B-95CE-6DB70DBA9567}" type="datetimeFigureOut">
               <a:rPr lang="en-US" smtClean="0"/>
               <a:pPr/>
-              <a:t>5/8/2014</a:t>
+              <a:t>5/9/2014</a:t>
             </a:fld>
             <a:endParaRPr lang="en-US" dirty="0"/>
           </a:p>
@@ -4336,7 +4332,7 @@
             <a:fld id="{B61BEF0D-F0BB-DE4B-95CE-6DB70DBA9567}" type="datetimeFigureOut">
               <a:rPr lang="en-US" smtClean="0"/>
               <a:pPr/>
-              <a:t>5/8/2014</a:t>
+              <a:t>5/9/2014</a:t>
             </a:fld>
             <a:endParaRPr lang="en-US" dirty="0"/>
           </a:p>
@@ -4523,7 +4519,7 @@
             <a:fld id="{B61BEF0D-F0BB-DE4B-95CE-6DB70DBA9567}" type="datetimeFigureOut">
               <a:rPr lang="en-US" smtClean="0"/>
               <a:pPr/>
-              <a:t>5/8/2014</a:t>
+              <a:t>5/9/2014</a:t>
             </a:fld>
             <a:endParaRPr lang="en-US" dirty="0"/>
           </a:p>
@@ -4781,7 +4777,7 @@
             <a:fld id="{B61BEF0D-F0BB-DE4B-95CE-6DB70DBA9567}" type="datetimeFigureOut">
               <a:rPr lang="en-US" smtClean="0"/>
               <a:pPr/>
-              <a:t>5/8/2014</a:t>
+              <a:t>5/9/2014</a:t>
             </a:fld>
             <a:endParaRPr lang="en-US" dirty="0"/>
           </a:p>
@@ -5085,7 +5081,7 @@
             <a:fld id="{B61BEF0D-F0BB-DE4B-95CE-6DB70DBA9567}" type="datetimeFigureOut">
               <a:rPr lang="en-US" smtClean="0"/>
               <a:pPr/>
-              <a:t>5/8/2014</a:t>
+              <a:t>5/9/2014</a:t>
             </a:fld>
             <a:endParaRPr lang="en-US" dirty="0"/>
           </a:p>
@@ -5529,7 +5525,7 @@
             <a:fld id="{B61BEF0D-F0BB-DE4B-95CE-6DB70DBA9567}" type="datetimeFigureOut">
               <a:rPr lang="en-US" smtClean="0"/>
               <a:pPr/>
-              <a:t>5/8/2014</a:t>
+              <a:t>5/9/2014</a:t>
             </a:fld>
             <a:endParaRPr lang="en-US" dirty="0"/>
           </a:p>
@@ -5649,7 +5645,7 @@
             <a:fld id="{B61BEF0D-F0BB-DE4B-95CE-6DB70DBA9567}" type="datetimeFigureOut">
               <a:rPr lang="en-US" smtClean="0"/>
               <a:pPr/>
-              <a:t>5/8/2014</a:t>
+              <a:t>5/9/2014</a:t>
             </a:fld>
             <a:endParaRPr lang="en-US" dirty="0"/>
           </a:p>
@@ -5746,7 +5742,7 @@
             <a:fld id="{B61BEF0D-F0BB-DE4B-95CE-6DB70DBA9567}" type="datetimeFigureOut">
               <a:rPr lang="en-US" smtClean="0"/>
               <a:pPr/>
-              <a:t>5/8/2014</a:t>
+              <a:t>5/9/2014</a:t>
             </a:fld>
             <a:endParaRPr lang="en-US" dirty="0"/>
           </a:p>
@@ -6031,7 +6027,7 @@
             <a:fld id="{B61BEF0D-F0BB-DE4B-95CE-6DB70DBA9567}" type="datetimeFigureOut">
               <a:rPr lang="en-US" smtClean="0"/>
               <a:pPr/>
-              <a:t>5/8/2014</a:t>
+              <a:t>5/9/2014</a:t>
             </a:fld>
             <a:endParaRPr lang="en-US" dirty="0"/>
           </a:p>
@@ -6324,7 +6320,7 @@
             <a:fld id="{B61BEF0D-F0BB-DE4B-95CE-6DB70DBA9567}" type="datetimeFigureOut">
               <a:rPr lang="en-US" smtClean="0"/>
               <a:pPr/>
-              <a:t>5/8/2014</a:t>
+              <a:t>5/9/2014</a:t>
             </a:fld>
             <a:endParaRPr lang="en-US" dirty="0"/>
           </a:p>
@@ -6850,7 +6846,7 @@
             <a:fld id="{B61BEF0D-F0BB-DE4B-95CE-6DB70DBA9567}" type="datetimeFigureOut">
               <a:rPr lang="en-US" smtClean="0"/>
               <a:pPr/>
-              <a:t>5/8/2014</a:t>
+              <a:t>5/9/2014</a:t>
             </a:fld>
             <a:endParaRPr lang="en-US" dirty="0"/>
           </a:p>
@@ -7532,211 +7528,6 @@
           <a:lstStyle/>
           <a:p>
             <a:r>
-              <a:rPr lang="en-US" dirty="0" err="1" smtClean="0"/>
-              <a:t>javax.swing</a:t>
-            </a:r>
-            <a:endParaRPr lang="en-US" dirty="0"/>
-          </a:p>
-        </p:txBody>
-      </p:sp>
-      <p:sp>
-        <p:nvSpPr>
-          <p:cNvPr id="3" name="Content Placeholder 2"/>
-          <p:cNvSpPr>
-            <a:spLocks noGrp="1"/>
-          </p:cNvSpPr>
-          <p:nvPr>
-            <p:ph idx="1"/>
-          </p:nvPr>
-        </p:nvSpPr>
-        <p:spPr/>
-        <p:txBody>
-          <a:bodyPr/>
-          <a:lstStyle/>
-          <a:p>
-            <a:r>
-              <a:rPr lang="en-US" dirty="0" smtClean="0"/>
-              <a:t>Standard library of lightweight display components</a:t>
-            </a:r>
-          </a:p>
-          <a:p>
-            <a:r>
-              <a:rPr lang="en-US" dirty="0" smtClean="0"/>
-              <a:t>Easily define layouts and add components</a:t>
-            </a:r>
-            <a:endParaRPr lang="en-US" dirty="0"/>
-          </a:p>
-        </p:txBody>
-      </p:sp>
-    </p:spTree>
-    <p:extLst>
-      <p:ext uri="{BB962C8B-B14F-4D97-AF65-F5344CB8AC3E}">
-        <p14:creationId xmlns:p14="http://schemas.microsoft.com/office/powerpoint/2010/main" val="3696686053"/>
-      </p:ext>
-    </p:extLst>
-  </p:cSld>
-  <p:clrMapOvr>
-    <a:masterClrMapping/>
-  </p:clrMapOvr>
-  <p:timing>
-    <p:tnLst>
-      <p:par>
-        <p:cTn id="1" dur="indefinite" restart="never" nodeType="tmRoot"/>
-      </p:par>
-    </p:tnLst>
-  </p:timing>
-</p:sld>
-</file>
-
-<file path=ppt/slides/slide11.xml><?xml version="1.0" encoding="utf-8"?>
-<p:sld xmlns:a="http://schemas.openxmlformats.org/drawingml/2006/main" xmlns:r="http://schemas.openxmlformats.org/officeDocument/2006/relationships" xmlns:p="http://schemas.openxmlformats.org/presentationml/2006/main">
-  <p:cSld>
-    <p:spTree>
-      <p:nvGrpSpPr>
-        <p:cNvPr id="1" name=""/>
-        <p:cNvGrpSpPr/>
-        <p:nvPr/>
-      </p:nvGrpSpPr>
-      <p:grpSpPr>
-        <a:xfrm>
-          <a:off x="0" y="0"/>
-          <a:ext cx="0" cy="0"/>
-          <a:chOff x="0" y="0"/>
-          <a:chExt cx="0" cy="0"/>
-        </a:xfrm>
-      </p:grpSpPr>
-      <p:sp>
-        <p:nvSpPr>
-          <p:cNvPr id="2" name="Title 1"/>
-          <p:cNvSpPr>
-            <a:spLocks noGrp="1"/>
-          </p:cNvSpPr>
-          <p:nvPr>
-            <p:ph type="title"/>
-          </p:nvPr>
-        </p:nvSpPr>
-        <p:spPr/>
-        <p:txBody>
-          <a:bodyPr/>
-          <a:lstStyle/>
-          <a:p>
-            <a:r>
-              <a:rPr lang="en-US" dirty="0" smtClean="0"/>
-              <a:t>Our Design</a:t>
-            </a:r>
-            <a:endParaRPr lang="en-US" dirty="0"/>
-          </a:p>
-        </p:txBody>
-      </p:sp>
-      <p:pic>
-        <p:nvPicPr>
-          <p:cNvPr id="6146" name="Picture 2"/>
-          <p:cNvPicPr>
-            <a:picLocks noGrp="1" noChangeAspect="1" noChangeArrowheads="1"/>
-          </p:cNvPicPr>
-          <p:nvPr>
-            <p:ph idx="1"/>
-          </p:nvPr>
-        </p:nvPicPr>
-        <p:blipFill>
-          <a:blip r:embed="rId3">
-            <a:extLst>
-              <a:ext uri="{28A0092B-C50C-407E-A947-70E740481C1C}">
-                <a14:useLocalDpi xmlns:a14="http://schemas.microsoft.com/office/drawing/2010/main" val="0"/>
-              </a:ext>
-            </a:extLst>
-          </a:blip>
-          <a:srcRect/>
-          <a:stretch>
-            <a:fillRect/>
-          </a:stretch>
-        </p:blipFill>
-        <p:spPr bwMode="auto">
-          <a:xfrm>
-            <a:off x="646691" y="1960518"/>
-            <a:ext cx="7850619" cy="4472180"/>
-          </a:xfrm>
-          <a:prstGeom prst="rect">
-            <a:avLst/>
-          </a:prstGeom>
-          <a:noFill/>
-          <a:ln>
-            <a:noFill/>
-          </a:ln>
-          <a:extLst>
-            <a:ext uri="{909E8E84-426E-40DD-AFC4-6F175D3DCCD1}">
-              <a14:hiddenFill xmlns:a14="http://schemas.microsoft.com/office/drawing/2010/main">
-                <a:solidFill>
-                  <a:schemeClr val="accent1"/>
-                </a:solidFill>
-              </a14:hiddenFill>
-            </a:ext>
-            <a:ext uri="{91240B29-F687-4F45-9708-019B960494DF}">
-              <a14:hiddenLine xmlns:a14="http://schemas.microsoft.com/office/drawing/2010/main" w="9525">
-                <a:solidFill>
-                  <a:schemeClr val="tx1"/>
-                </a:solidFill>
-                <a:miter lim="800000"/>
-                <a:headEnd/>
-                <a:tailEnd/>
-              </a14:hiddenLine>
-            </a:ext>
-          </a:extLst>
-        </p:spPr>
-      </p:pic>
-    </p:spTree>
-    <p:extLst>
-      <p:ext uri="{BB962C8B-B14F-4D97-AF65-F5344CB8AC3E}">
-        <p14:creationId xmlns:p14="http://schemas.microsoft.com/office/powerpoint/2010/main" val="527009072"/>
-      </p:ext>
-    </p:extLst>
-  </p:cSld>
-  <p:clrMapOvr>
-    <a:masterClrMapping/>
-  </p:clrMapOvr>
-  <p:timing>
-    <p:tnLst>
-      <p:par>
-        <p:cTn id="1" dur="indefinite" restart="never" nodeType="tmRoot"/>
-      </p:par>
-    </p:tnLst>
-  </p:timing>
-</p:sld>
-</file>
-
-<file path=ppt/slides/slide12.xml><?xml version="1.0" encoding="utf-8"?>
-<p:sld xmlns:a="http://schemas.openxmlformats.org/drawingml/2006/main" xmlns:r="http://schemas.openxmlformats.org/officeDocument/2006/relationships" xmlns:p="http://schemas.openxmlformats.org/presentationml/2006/main">
-  <p:cSld>
-    <p:spTree>
-      <p:nvGrpSpPr>
-        <p:cNvPr id="1" name=""/>
-        <p:cNvGrpSpPr/>
-        <p:nvPr/>
-      </p:nvGrpSpPr>
-      <p:grpSpPr>
-        <a:xfrm>
-          <a:off x="0" y="0"/>
-          <a:ext cx="0" cy="0"/>
-          <a:chOff x="0" y="0"/>
-          <a:chExt cx="0" cy="0"/>
-        </a:xfrm>
-      </p:grpSpPr>
-      <p:sp>
-        <p:nvSpPr>
-          <p:cNvPr id="2" name="Title 1"/>
-          <p:cNvSpPr>
-            <a:spLocks noGrp="1"/>
-          </p:cNvSpPr>
-          <p:nvPr>
-            <p:ph type="title"/>
-          </p:nvPr>
-        </p:nvSpPr>
-        <p:spPr/>
-        <p:txBody>
-          <a:bodyPr/>
-          <a:lstStyle/>
-          <a:p>
-            <a:r>
               <a:rPr lang="en-US" dirty="0" smtClean="0"/>
               <a:t>Our Design</a:t>
             </a:r>
@@ -7805,7 +7596,7 @@
 </p:sld>
 </file>
 
-<file path=ppt/slides/slide13.xml><?xml version="1.0" encoding="utf-8"?>
+<file path=ppt/slides/slide11.xml><?xml version="1.0" encoding="utf-8"?>
 <p:sld xmlns:a="http://schemas.openxmlformats.org/drawingml/2006/main" xmlns:r="http://schemas.openxmlformats.org/officeDocument/2006/relationships" xmlns:p="http://schemas.openxmlformats.org/presentationml/2006/main">
   <p:cSld>
     <p:spTree>
@@ -7934,7 +7725,7 @@
 </p:sld>
 </file>
 
-<file path=ppt/slides/slide14.xml><?xml version="1.0" encoding="utf-8"?>
+<file path=ppt/slides/slide12.xml><?xml version="1.0" encoding="utf-8"?>
 <p:sld xmlns:a="http://schemas.openxmlformats.org/drawingml/2006/main" xmlns:r="http://schemas.openxmlformats.org/officeDocument/2006/relationships" xmlns:p="http://schemas.openxmlformats.org/presentationml/2006/main">
   <p:cSld>
     <p:spTree>
@@ -7968,89 +7759,6 @@
           <a:p>
             <a:r>
               <a:rPr lang="en-US" dirty="0" smtClean="0"/>
-              <a:t>Lucas’s slides go after this</a:t>
-            </a:r>
-            <a:endParaRPr lang="en-US" dirty="0"/>
-          </a:p>
-        </p:txBody>
-      </p:sp>
-      <p:sp>
-        <p:nvSpPr>
-          <p:cNvPr id="3" name="Content Placeholder 2"/>
-          <p:cNvSpPr>
-            <a:spLocks noGrp="1"/>
-          </p:cNvSpPr>
-          <p:nvPr>
-            <p:ph idx="1"/>
-          </p:nvPr>
-        </p:nvSpPr>
-        <p:spPr/>
-        <p:txBody>
-          <a:bodyPr/>
-          <a:lstStyle/>
-          <a:p>
-            <a:r>
-              <a:rPr lang="en-US" dirty="0" smtClean="0"/>
-              <a:t>Lucas covers Architecture, predominately UML diagram’s and some descriptions</a:t>
-            </a:r>
-            <a:endParaRPr lang="en-US" dirty="0"/>
-          </a:p>
-        </p:txBody>
-      </p:sp>
-    </p:spTree>
-    <p:extLst>
-      <p:ext uri="{BB962C8B-B14F-4D97-AF65-F5344CB8AC3E}">
-        <p14:creationId xmlns:p14="http://schemas.microsoft.com/office/powerpoint/2010/main" val="2503385107"/>
-      </p:ext>
-    </p:extLst>
-  </p:cSld>
-  <p:clrMapOvr>
-    <a:masterClrMapping/>
-  </p:clrMapOvr>
-  <p:timing>
-    <p:tnLst>
-      <p:par>
-        <p:cTn id="1" dur="indefinite" restart="never" nodeType="tmRoot"/>
-      </p:par>
-    </p:tnLst>
-  </p:timing>
-</p:sld>
-</file>
-
-<file path=ppt/slides/slide15.xml><?xml version="1.0" encoding="utf-8"?>
-<p:sld xmlns:a="http://schemas.openxmlformats.org/drawingml/2006/main" xmlns:r="http://schemas.openxmlformats.org/officeDocument/2006/relationships" xmlns:p="http://schemas.openxmlformats.org/presentationml/2006/main">
-  <p:cSld>
-    <p:spTree>
-      <p:nvGrpSpPr>
-        <p:cNvPr id="1" name=""/>
-        <p:cNvGrpSpPr/>
-        <p:nvPr/>
-      </p:nvGrpSpPr>
-      <p:grpSpPr>
-        <a:xfrm>
-          <a:off x="0" y="0"/>
-          <a:ext cx="0" cy="0"/>
-          <a:chOff x="0" y="0"/>
-          <a:chExt cx="0" cy="0"/>
-        </a:xfrm>
-      </p:grpSpPr>
-      <p:sp>
-        <p:nvSpPr>
-          <p:cNvPr id="2" name="Title 1"/>
-          <p:cNvSpPr>
-            <a:spLocks noGrp="1"/>
-          </p:cNvSpPr>
-          <p:nvPr>
-            <p:ph type="title"/>
-          </p:nvPr>
-        </p:nvSpPr>
-        <p:spPr/>
-        <p:txBody>
-          <a:bodyPr/>
-          <a:lstStyle/>
-          <a:p>
-            <a:r>
-              <a:rPr lang="en-US" dirty="0" smtClean="0"/>
               <a:t>Structure</a:t>
             </a:r>
             <a:endParaRPr lang="en-US" dirty="0"/>
@@ -8079,7 +7787,7 @@
           <a:graphicData uri="http://schemas.openxmlformats.org/presentationml/2006/ole">
             <mc:AlternateContent xmlns:mc="http://schemas.openxmlformats.org/markup-compatibility/2006">
               <mc:Choice xmlns:v="urn:schemas-microsoft-com:vml" Requires="v">
-                <p:oleObj spid="_x0000_s2072" name="Image" r:id="rId3" imgW="8596825" imgH="4533333" progId="">
+                <p:oleObj spid="_x0000_s2073" name="Image" r:id="rId3" imgW="8596825" imgH="4533333" progId="">
                   <p:embed/>
                 </p:oleObj>
               </mc:Choice>
@@ -8161,6 +7869,440 @@
 </p:sld>
 </file>
 
+<file path=ppt/slides/slide13.xml><?xml version="1.0" encoding="utf-8"?>
+<p:sld xmlns:a="http://schemas.openxmlformats.org/drawingml/2006/main" xmlns:r="http://schemas.openxmlformats.org/officeDocument/2006/relationships" xmlns:p="http://schemas.openxmlformats.org/presentationml/2006/main">
+  <p:cSld>
+    <p:spTree>
+      <p:nvGrpSpPr>
+        <p:cNvPr id="1" name=""/>
+        <p:cNvGrpSpPr/>
+        <p:nvPr/>
+      </p:nvGrpSpPr>
+      <p:grpSpPr>
+        <a:xfrm>
+          <a:off x="0" y="0"/>
+          <a:ext cx="0" cy="0"/>
+          <a:chOff x="0" y="0"/>
+          <a:chExt cx="0" cy="0"/>
+        </a:xfrm>
+      </p:grpSpPr>
+      <p:sp>
+        <p:nvSpPr>
+          <p:cNvPr id="2" name="Title 1"/>
+          <p:cNvSpPr>
+            <a:spLocks noGrp="1"/>
+          </p:cNvSpPr>
+          <p:nvPr>
+            <p:ph type="title"/>
+          </p:nvPr>
+        </p:nvSpPr>
+        <p:spPr>
+          <a:xfrm>
+            <a:off x="982133" y="457201"/>
+            <a:ext cx="7704667" cy="531627"/>
+          </a:xfrm>
+        </p:spPr>
+        <p:txBody>
+          <a:bodyPr>
+            <a:normAutofit fontScale="90000"/>
+          </a:bodyPr>
+          <a:lstStyle/>
+          <a:p>
+            <a:r>
+              <a:rPr lang="en-US" dirty="0" err="1" smtClean="0"/>
+              <a:t>IMSController</a:t>
+            </a:r>
+            <a:endParaRPr lang="en-US" dirty="0"/>
+          </a:p>
+        </p:txBody>
+      </p:sp>
+      <p:pic>
+        <p:nvPicPr>
+          <p:cNvPr id="7" name="Content Placeholder 6" descr="IMSController.png"/>
+          <p:cNvPicPr>
+            <a:picLocks noGrp="1" noChangeAspect="1"/>
+          </p:cNvPicPr>
+          <p:nvPr>
+            <p:ph sz="half" idx="2"/>
+          </p:nvPr>
+        </p:nvPicPr>
+        <p:blipFill>
+          <a:blip r:embed="rId2"/>
+          <a:stretch>
+            <a:fillRect/>
+          </a:stretch>
+        </p:blipFill>
+        <p:spPr>
+          <a:xfrm>
+            <a:off x="765544" y="1006977"/>
+            <a:ext cx="3776192" cy="5851023"/>
+          </a:xfrm>
+        </p:spPr>
+      </p:pic>
+      <p:sp>
+        <p:nvSpPr>
+          <p:cNvPr id="5" name="Text Placeholder 4"/>
+          <p:cNvSpPr>
+            <a:spLocks noGrp="1"/>
+          </p:cNvSpPr>
+          <p:nvPr>
+            <p:ph type="body" sz="quarter" idx="3"/>
+          </p:nvPr>
+        </p:nvSpPr>
+        <p:spPr/>
+        <p:txBody>
+          <a:bodyPr/>
+          <a:lstStyle/>
+          <a:p>
+            <a:r>
+              <a:rPr lang="en-US" dirty="0" smtClean="0"/>
+              <a:t>What does it do?</a:t>
+            </a:r>
+            <a:endParaRPr lang="en-US" dirty="0"/>
+          </a:p>
+        </p:txBody>
+      </p:sp>
+      <p:sp>
+        <p:nvSpPr>
+          <p:cNvPr id="6" name="Content Placeholder 5"/>
+          <p:cNvSpPr>
+            <a:spLocks noGrp="1"/>
+          </p:cNvSpPr>
+          <p:nvPr>
+            <p:ph sz="quarter" idx="4"/>
+          </p:nvPr>
+        </p:nvSpPr>
+        <p:spPr/>
+        <p:txBody>
+          <a:bodyPr>
+            <a:normAutofit fontScale="92500"/>
+          </a:bodyPr>
+          <a:lstStyle/>
+          <a:p>
+            <a:r>
+              <a:rPr lang="en-US" dirty="0" err="1" smtClean="0"/>
+              <a:t>IMSController</a:t>
+            </a:r>
+            <a:r>
+              <a:rPr lang="en-US" dirty="0" smtClean="0"/>
+              <a:t> is the base class that other controllers will extend to.</a:t>
+            </a:r>
+          </a:p>
+          <a:p>
+            <a:r>
+              <a:rPr lang="en-US" dirty="0" smtClean="0"/>
+              <a:t>Gives permissions to users. Depending on the level the user has he/she can modify data.</a:t>
+            </a:r>
+          </a:p>
+          <a:p>
+            <a:r>
+              <a:rPr lang="en-US" dirty="0" smtClean="0"/>
+              <a:t>Sorting Algorithm and Search functions are in this class.</a:t>
+            </a:r>
+          </a:p>
+          <a:p>
+            <a:pPr>
+              <a:buNone/>
+            </a:pPr>
+            <a:r>
+              <a:rPr lang="en-US" dirty="0" smtClean="0"/>
+              <a:t> </a:t>
+            </a:r>
+            <a:endParaRPr lang="en-US" dirty="0"/>
+          </a:p>
+        </p:txBody>
+      </p:sp>
+    </p:spTree>
+  </p:cSld>
+  <p:clrMapOvr>
+    <a:masterClrMapping/>
+  </p:clrMapOvr>
+  <p:timing>
+    <p:tnLst>
+      <p:par>
+        <p:cTn id="1" dur="indefinite" restart="never" nodeType="tmRoot"/>
+      </p:par>
+    </p:tnLst>
+  </p:timing>
+</p:sld>
+</file>
+
+<file path=ppt/slides/slide14.xml><?xml version="1.0" encoding="utf-8"?>
+<p:sld xmlns:a="http://schemas.openxmlformats.org/drawingml/2006/main" xmlns:r="http://schemas.openxmlformats.org/officeDocument/2006/relationships" xmlns:p="http://schemas.openxmlformats.org/presentationml/2006/main">
+  <p:cSld>
+    <p:spTree>
+      <p:nvGrpSpPr>
+        <p:cNvPr id="1" name=""/>
+        <p:cNvGrpSpPr/>
+        <p:nvPr/>
+      </p:nvGrpSpPr>
+      <p:grpSpPr>
+        <a:xfrm>
+          <a:off x="0" y="0"/>
+          <a:ext cx="0" cy="0"/>
+          <a:chOff x="0" y="0"/>
+          <a:chExt cx="0" cy="0"/>
+        </a:xfrm>
+      </p:grpSpPr>
+      <p:sp>
+        <p:nvSpPr>
+          <p:cNvPr id="19" name="Title 18"/>
+          <p:cNvSpPr>
+            <a:spLocks noGrp="1"/>
+          </p:cNvSpPr>
+          <p:nvPr>
+            <p:ph type="title"/>
+          </p:nvPr>
+        </p:nvSpPr>
+        <p:spPr/>
+        <p:txBody>
+          <a:bodyPr/>
+          <a:lstStyle/>
+          <a:p>
+            <a:r>
+              <a:rPr lang="en-US" dirty="0" err="1" smtClean="0"/>
+              <a:t>InventoryController</a:t>
+            </a:r>
+            <a:endParaRPr lang="en-US" dirty="0"/>
+          </a:p>
+        </p:txBody>
+      </p:sp>
+      <p:pic>
+        <p:nvPicPr>
+          <p:cNvPr id="24" name="Content Placeholder 23" descr="inventoryController.jpg"/>
+          <p:cNvPicPr>
+            <a:picLocks noGrp="1" noChangeAspect="1"/>
+          </p:cNvPicPr>
+          <p:nvPr>
+            <p:ph sz="half" idx="2"/>
+          </p:nvPr>
+        </p:nvPicPr>
+        <p:blipFill>
+          <a:blip r:embed="rId2"/>
+          <a:stretch>
+            <a:fillRect/>
+          </a:stretch>
+        </p:blipFill>
+        <p:spPr>
+          <a:xfrm>
+            <a:off x="1255183" y="2529995"/>
+            <a:ext cx="3417485" cy="3560412"/>
+          </a:xfrm>
+        </p:spPr>
+      </p:pic>
+      <p:sp>
+        <p:nvSpPr>
+          <p:cNvPr id="22" name="Text Placeholder 21"/>
+          <p:cNvSpPr>
+            <a:spLocks noGrp="1"/>
+          </p:cNvSpPr>
+          <p:nvPr>
+            <p:ph type="body" sz="quarter" idx="3"/>
+          </p:nvPr>
+        </p:nvSpPr>
+        <p:spPr/>
+        <p:txBody>
+          <a:bodyPr/>
+          <a:lstStyle/>
+          <a:p>
+            <a:r>
+              <a:rPr lang="en-US" dirty="0" smtClean="0"/>
+              <a:t>What does  it do?</a:t>
+            </a:r>
+            <a:endParaRPr lang="en-US" dirty="0"/>
+          </a:p>
+        </p:txBody>
+      </p:sp>
+      <p:sp>
+        <p:nvSpPr>
+          <p:cNvPr id="23" name="Content Placeholder 22"/>
+          <p:cNvSpPr>
+            <a:spLocks noGrp="1"/>
+          </p:cNvSpPr>
+          <p:nvPr>
+            <p:ph sz="quarter" idx="4"/>
+          </p:nvPr>
+        </p:nvSpPr>
+        <p:spPr/>
+        <p:txBody>
+          <a:bodyPr/>
+          <a:lstStyle/>
+          <a:p>
+            <a:r>
+              <a:rPr lang="en-US" dirty="0" smtClean="0"/>
+              <a:t>It controls the main aspects of an inventory.</a:t>
+            </a:r>
+          </a:p>
+          <a:p>
+            <a:r>
+              <a:rPr lang="en-US" dirty="0" err="1" smtClean="0"/>
+              <a:t>InventoryController</a:t>
+            </a:r>
+            <a:r>
+              <a:rPr lang="en-US" dirty="0" smtClean="0"/>
+              <a:t> gets the ID, Name, Price, Wholesale, Category, Vendor ID, Royalty ID, Description, Picture, and Preferred Stock, </a:t>
+            </a:r>
+          </a:p>
+        </p:txBody>
+      </p:sp>
+    </p:spTree>
+  </p:cSld>
+  <p:clrMapOvr>
+    <a:masterClrMapping/>
+  </p:clrMapOvr>
+  <p:timing>
+    <p:tnLst>
+      <p:par>
+        <p:cTn id="1" dur="indefinite" restart="never" nodeType="tmRoot"/>
+      </p:par>
+    </p:tnLst>
+  </p:timing>
+</p:sld>
+</file>
+
+<file path=ppt/slides/slide15.xml><?xml version="1.0" encoding="utf-8"?>
+<p:sld xmlns:a="http://schemas.openxmlformats.org/drawingml/2006/main" xmlns:r="http://schemas.openxmlformats.org/officeDocument/2006/relationships" xmlns:p="http://schemas.openxmlformats.org/presentationml/2006/main">
+  <p:cSld>
+    <p:spTree>
+      <p:nvGrpSpPr>
+        <p:cNvPr id="1" name=""/>
+        <p:cNvGrpSpPr/>
+        <p:nvPr/>
+      </p:nvGrpSpPr>
+      <p:grpSpPr>
+        <a:xfrm>
+          <a:off x="0" y="0"/>
+          <a:ext cx="0" cy="0"/>
+          <a:chOff x="0" y="0"/>
+          <a:chExt cx="0" cy="0"/>
+        </a:xfrm>
+      </p:grpSpPr>
+      <p:sp>
+        <p:nvSpPr>
+          <p:cNvPr id="2" name="Title 1"/>
+          <p:cNvSpPr>
+            <a:spLocks noGrp="1"/>
+          </p:cNvSpPr>
+          <p:nvPr>
+            <p:ph type="title"/>
+          </p:nvPr>
+        </p:nvSpPr>
+        <p:spPr/>
+        <p:txBody>
+          <a:bodyPr/>
+          <a:lstStyle/>
+          <a:p>
+            <a:r>
+              <a:rPr lang="en-US" dirty="0" err="1" smtClean="0"/>
+              <a:t>RoyaltiesController</a:t>
+            </a:r>
+            <a:endParaRPr lang="en-US" dirty="0"/>
+          </a:p>
+        </p:txBody>
+      </p:sp>
+      <p:pic>
+        <p:nvPicPr>
+          <p:cNvPr id="7" name="Content Placeholder 6" descr="RoyalitesController.png"/>
+          <p:cNvPicPr>
+            <a:picLocks noGrp="1" noChangeAspect="1"/>
+          </p:cNvPicPr>
+          <p:nvPr>
+            <p:ph sz="half" idx="2"/>
+          </p:nvPr>
+        </p:nvPicPr>
+        <p:blipFill>
+          <a:blip r:embed="rId2"/>
+          <a:stretch>
+            <a:fillRect/>
+          </a:stretch>
+        </p:blipFill>
+        <p:spPr>
+          <a:xfrm>
+            <a:off x="159488" y="1796903"/>
+            <a:ext cx="4626825" cy="4476306"/>
+          </a:xfrm>
+        </p:spPr>
+      </p:pic>
+      <p:sp>
+        <p:nvSpPr>
+          <p:cNvPr id="5" name="Text Placeholder 4"/>
+          <p:cNvSpPr>
+            <a:spLocks noGrp="1"/>
+          </p:cNvSpPr>
+          <p:nvPr>
+            <p:ph type="body" sz="quarter" idx="3"/>
+          </p:nvPr>
+        </p:nvSpPr>
+        <p:spPr/>
+        <p:txBody>
+          <a:bodyPr/>
+          <a:lstStyle/>
+          <a:p>
+            <a:r>
+              <a:rPr lang="en-US" dirty="0" smtClean="0"/>
+              <a:t>What does it do?</a:t>
+            </a:r>
+            <a:endParaRPr lang="en-US" dirty="0"/>
+          </a:p>
+        </p:txBody>
+      </p:sp>
+      <p:sp>
+        <p:nvSpPr>
+          <p:cNvPr id="6" name="Content Placeholder 5"/>
+          <p:cNvSpPr>
+            <a:spLocks noGrp="1"/>
+          </p:cNvSpPr>
+          <p:nvPr>
+            <p:ph sz="quarter" idx="4"/>
+          </p:nvPr>
+        </p:nvSpPr>
+        <p:spPr/>
+        <p:txBody>
+          <a:bodyPr/>
+          <a:lstStyle/>
+          <a:p>
+            <a:r>
+              <a:rPr lang="en-US" dirty="0" err="1" smtClean="0"/>
+              <a:t>RoyaltiesController</a:t>
+            </a:r>
+            <a:r>
+              <a:rPr lang="en-US" dirty="0" smtClean="0"/>
+              <a:t>  manages the  royalties .</a:t>
+            </a:r>
+          </a:p>
+          <a:p>
+            <a:r>
+              <a:rPr lang="en-US" dirty="0" err="1" smtClean="0"/>
+              <a:t>RoyaltiesController</a:t>
+            </a:r>
+            <a:r>
+              <a:rPr lang="en-US" dirty="0" smtClean="0"/>
+              <a:t>  has a gets Royalties: ID, Name, Phone Number , Ext, Addresses , Website, E-mail, PPOC, Royalties.</a:t>
+            </a:r>
+          </a:p>
+          <a:p>
+            <a:pPr>
+              <a:buNone/>
+            </a:pPr>
+            <a:endParaRPr lang="en-US" dirty="0"/>
+          </a:p>
+        </p:txBody>
+      </p:sp>
+    </p:spTree>
+  </p:cSld>
+  <p:clrMapOvr>
+    <a:masterClrMapping/>
+  </p:clrMapOvr>
+  <p:timing>
+    <p:tnLst>
+      <p:par>
+        <p:cTn id="1" dur="indefinite" restart="never" nodeType="tmRoot"/>
+      </p:par>
+    </p:tnLst>
+  </p:timing>
+</p:sld>
+</file>
+
 <file path=ppt/slides/slide16.xml><?xml version="1.0" encoding="utf-8"?>
 <p:sld xmlns:a="http://schemas.openxmlformats.org/drawingml/2006/main" xmlns:r="http://schemas.openxmlformats.org/officeDocument/2006/relationships" xmlns:p="http://schemas.openxmlformats.org/presentationml/2006/main">
   <p:cSld>
@@ -8188,21 +8330,14 @@
             <p:ph type="title"/>
           </p:nvPr>
         </p:nvSpPr>
-        <p:spPr>
-          <a:xfrm>
-            <a:off x="982133" y="457201"/>
-            <a:ext cx="7704667" cy="531627"/>
-          </a:xfrm>
-        </p:spPr>
-        <p:txBody>
-          <a:bodyPr>
-            <a:normAutofit fontScale="90000"/>
-          </a:bodyPr>
+        <p:spPr/>
+        <p:txBody>
+          <a:bodyPr/>
           <a:lstStyle/>
           <a:p>
             <a:r>
               <a:rPr lang="en-US" dirty="0" err="1" smtClean="0"/>
-              <a:t>IMSController</a:t>
+              <a:t>UserController</a:t>
             </a:r>
             <a:endParaRPr lang="en-US" dirty="0"/>
           </a:p>
@@ -8210,7 +8345,7 @@
       </p:sp>
       <p:pic>
         <p:nvPicPr>
-          <p:cNvPr id="7" name="Content Placeholder 6" descr="IMSController.png"/>
+          <p:cNvPr id="7" name="Content Placeholder 6" descr="RoyalitesController.png"/>
           <p:cNvPicPr>
             <a:picLocks noGrp="1" noChangeAspect="1"/>
           </p:cNvPicPr>
@@ -8226,8 +8361,8 @@
         </p:blipFill>
         <p:spPr>
           <a:xfrm>
-            <a:off x="765544" y="1006977"/>
-            <a:ext cx="3776192" cy="5851023"/>
+            <a:off x="4104167" y="1892596"/>
+            <a:ext cx="4688959" cy="4763386"/>
           </a:xfrm>
         </p:spPr>
       </p:pic>
@@ -8241,7 +8376,12 @@
             <p:ph type="body" sz="quarter" idx="3"/>
           </p:nvPr>
         </p:nvSpPr>
-        <p:spPr/>
+        <p:spPr>
+          <a:xfrm>
+            <a:off x="1046910" y="2416629"/>
+            <a:ext cx="3467806" cy="576262"/>
+          </a:xfrm>
+        </p:spPr>
         <p:txBody>
           <a:bodyPr/>
           <a:lstStyle/>
@@ -8264,42 +8404,38 @@
             <p:ph sz="quarter" idx="4"/>
           </p:nvPr>
         </p:nvSpPr>
-        <p:spPr/>
-        <p:txBody>
-          <a:bodyPr>
-            <a:normAutofit fontScale="92500"/>
-          </a:bodyPr>
-          <a:lstStyle/>
+        <p:spPr>
+          <a:xfrm>
+            <a:off x="320204" y="3160911"/>
+            <a:ext cx="3672248" cy="2665259"/>
+          </a:xfrm>
+        </p:spPr>
+        <p:txBody>
+          <a:bodyPr/>
+          <a:lstStyle/>
+          <a:p>
+            <a:r>
+              <a:rPr lang="en-US" dirty="0" smtClean="0"/>
+              <a:t>User Controller is used predominately for creating new users and changing login credentials.</a:t>
+            </a:r>
+          </a:p>
+          <a:p>
+            <a:endParaRPr lang="en-US" dirty="0" smtClean="0"/>
+          </a:p>
           <a:p>
             <a:r>
               <a:rPr lang="en-US" dirty="0" err="1" smtClean="0"/>
-              <a:t>IMSController</a:t>
+              <a:t>UserController</a:t>
             </a:r>
             <a:r>
               <a:rPr lang="en-US" dirty="0" smtClean="0"/>
-              <a:t> is the base class that other controllers will extend to.</a:t>
-            </a:r>
-          </a:p>
-          <a:p>
-            <a:r>
-              <a:rPr lang="en-US" dirty="0" smtClean="0"/>
-              <a:t>Gives permissions to users. Depending on the level the user has he/she can modify data.</a:t>
-            </a:r>
-          </a:p>
-          <a:p>
-            <a:r>
-              <a:rPr lang="en-US" dirty="0" smtClean="0"/>
-              <a:t>Sorting Algorithm and Search functions are in this class.</a:t>
+              <a:t>  methods are gets Users: ID, User Name, Password, Level.</a:t>
             </a:r>
           </a:p>
           <a:p>
             <a:pPr>
               <a:buNone/>
             </a:pPr>
-            <a:r>
-              <a:rPr lang="en-US" dirty="0" smtClean="0"/>
-              <a:t> </a:t>
-            </a:r>
             <a:endParaRPr lang="en-US" dirty="0"/>
           </a:p>
         </p:txBody>
@@ -8338,7 +8474,7 @@
       </p:grpSpPr>
       <p:sp>
         <p:nvSpPr>
-          <p:cNvPr id="19" name="Title 18"/>
+          <p:cNvPr id="2" name="Title 1"/>
           <p:cNvSpPr>
             <a:spLocks noGrp="1"/>
           </p:cNvSpPr>
@@ -8353,7 +8489,7 @@
           <a:p>
             <a:r>
               <a:rPr lang="en-US" dirty="0" err="1" smtClean="0"/>
-              <a:t>InventoryController</a:t>
+              <a:t>VendorController</a:t>
             </a:r>
             <a:endParaRPr lang="en-US" dirty="0"/>
           </a:p>
@@ -8361,7 +8497,7 @@
       </p:sp>
       <p:pic>
         <p:nvPicPr>
-          <p:cNvPr id="24" name="Content Placeholder 23" descr="inventoryController.jpg"/>
+          <p:cNvPr id="7" name="Content Placeholder 6" descr="RoyalitesController.png"/>
           <p:cNvPicPr>
             <a:picLocks noGrp="1" noChangeAspect="1"/>
           </p:cNvPicPr>
@@ -8377,14 +8513,14 @@
         </p:blipFill>
         <p:spPr>
           <a:xfrm>
-            <a:off x="1255183" y="2529995"/>
-            <a:ext cx="3417485" cy="3560412"/>
+            <a:off x="3955311" y="1913860"/>
+            <a:ext cx="4901609" cy="4944140"/>
           </a:xfrm>
         </p:spPr>
       </p:pic>
       <p:sp>
         <p:nvSpPr>
-          <p:cNvPr id="22" name="Text Placeholder 21"/>
+          <p:cNvPr id="5" name="Text Placeholder 4"/>
           <p:cNvSpPr>
             <a:spLocks noGrp="1"/>
           </p:cNvSpPr>
@@ -8392,22 +8528,27 @@
             <p:ph type="body" sz="quarter" idx="3"/>
           </p:nvPr>
         </p:nvSpPr>
-        <p:spPr/>
+        <p:spPr>
+          <a:xfrm>
+            <a:off x="1046910" y="2416629"/>
+            <a:ext cx="3467806" cy="576262"/>
+          </a:xfrm>
+        </p:spPr>
         <p:txBody>
           <a:bodyPr/>
           <a:lstStyle/>
           <a:p>
             <a:r>
               <a:rPr lang="en-US" dirty="0" smtClean="0"/>
-              <a:t>What does  it do?</a:t>
-            </a:r>
-            <a:endParaRPr lang="en-US" dirty="0"/>
-          </a:p>
-        </p:txBody>
-      </p:sp>
-      <p:sp>
-        <p:nvSpPr>
-          <p:cNvPr id="23" name="Content Placeholder 22"/>
+              <a:t>What does it do?</a:t>
+            </a:r>
+            <a:endParaRPr lang="en-US" dirty="0"/>
+          </a:p>
+        </p:txBody>
+      </p:sp>
+      <p:sp>
+        <p:nvSpPr>
+          <p:cNvPr id="6" name="Content Placeholder 5"/>
           <p:cNvSpPr>
             <a:spLocks noGrp="1"/>
           </p:cNvSpPr>
@@ -8415,25 +8556,55 @@
             <p:ph sz="quarter" idx="4"/>
           </p:nvPr>
         </p:nvSpPr>
-        <p:spPr/>
+        <p:spPr>
+          <a:xfrm>
+            <a:off x="320204" y="3160911"/>
+            <a:ext cx="3672248" cy="2665259"/>
+          </a:xfrm>
+        </p:spPr>
         <p:txBody>
           <a:bodyPr/>
           <a:lstStyle/>
           <a:p>
             <a:r>
+              <a:rPr lang="en-US" dirty="0" err="1" smtClean="0"/>
+              <a:t>VendorController</a:t>
+            </a:r>
+            <a:r>
               <a:rPr lang="en-US" dirty="0" smtClean="0"/>
-              <a:t>It controls the main aspects of an inventory.</a:t>
+              <a:t> manages Vendors.</a:t>
             </a:r>
           </a:p>
           <a:p>
             <a:r>
               <a:rPr lang="en-US" dirty="0" err="1" smtClean="0"/>
-              <a:t>InventoryController</a:t>
+              <a:t>VendorController</a:t>
             </a:r>
             <a:r>
               <a:rPr lang="en-US" dirty="0" smtClean="0"/>
-              <a:t> gets the ID, Name, Price, Wholesale, Category, Vendor ID, Royalty ID, Description, Picture, and Preferred Stock, </a:t>
-            </a:r>
+              <a:t> shows items that vendors sells.</a:t>
+            </a:r>
+          </a:p>
+          <a:p>
+            <a:r>
+              <a:rPr lang="en-US" dirty="0" err="1" smtClean="0"/>
+              <a:t>VendorController</a:t>
+            </a:r>
+            <a:r>
+              <a:rPr lang="en-US" dirty="0" smtClean="0"/>
+              <a:t> is similar to </a:t>
+            </a:r>
+            <a:r>
+              <a:rPr lang="en-US" dirty="0" err="1" smtClean="0"/>
+              <a:t>RoyaltiesController</a:t>
+            </a:r>
+            <a:r>
+              <a:rPr lang="en-US" dirty="0" smtClean="0"/>
+              <a:t>. Except it doesn’t have get Royalties.</a:t>
+            </a:r>
+          </a:p>
+          <a:p>
+            <a:endParaRPr lang="en-US" dirty="0"/>
           </a:p>
         </p:txBody>
       </p:sp>
@@ -8486,7 +8657,7 @@
           <a:p>
             <a:r>
               <a:rPr lang="en-US" dirty="0" err="1" smtClean="0"/>
-              <a:t>RoyaltiesController</a:t>
+              <a:t>DatabaseController</a:t>
             </a:r>
             <a:endParaRPr lang="en-US" dirty="0"/>
           </a:p>
@@ -8494,7 +8665,7 @@
       </p:sp>
       <p:pic>
         <p:nvPicPr>
-          <p:cNvPr id="7" name="Content Placeholder 6" descr="RoyalitesController.png"/>
+          <p:cNvPr id="7" name="Content Placeholder 6"/>
           <p:cNvPicPr>
             <a:picLocks noGrp="1" noChangeAspect="1"/>
           </p:cNvPicPr>
@@ -8503,15 +8674,21 @@
           </p:nvPr>
         </p:nvPicPr>
         <p:blipFill>
-          <a:blip r:embed="rId2"/>
+          <a:blip r:embed="rId2">
+            <a:extLst>
+              <a:ext uri="{28A0092B-C50C-407E-A947-70E740481C1C}">
+                <a14:useLocalDpi xmlns:a14="http://schemas.microsoft.com/office/drawing/2010/main" val="0"/>
+              </a:ext>
+            </a:extLst>
+          </a:blip>
           <a:stretch>
             <a:fillRect/>
           </a:stretch>
         </p:blipFill>
         <p:spPr>
           <a:xfrm>
-            <a:off x="159488" y="1796903"/>
-            <a:ext cx="4626825" cy="4476306"/>
+            <a:off x="3955311" y="2334279"/>
+            <a:ext cx="4901609" cy="4103301"/>
           </a:xfrm>
         </p:spPr>
       </p:pic>
@@ -8525,7 +8702,12 @@
             <p:ph type="body" sz="quarter" idx="3"/>
           </p:nvPr>
         </p:nvSpPr>
-        <p:spPr/>
+        <p:spPr>
+          <a:xfrm>
+            <a:off x="1046910" y="2416629"/>
+            <a:ext cx="3467806" cy="576262"/>
+          </a:xfrm>
+        </p:spPr>
         <p:txBody>
           <a:bodyPr/>
           <a:lstStyle/>
@@ -8548,51 +8730,62 @@
             <p:ph sz="quarter" idx="4"/>
           </p:nvPr>
         </p:nvSpPr>
-        <p:spPr/>
+        <p:spPr>
+          <a:xfrm>
+            <a:off x="320204" y="3160911"/>
+            <a:ext cx="3672248" cy="2665259"/>
+          </a:xfrm>
+        </p:spPr>
         <p:txBody>
           <a:bodyPr/>
           <a:lstStyle/>
           <a:p>
             <a:r>
               <a:rPr lang="en-US" dirty="0" err="1" smtClean="0"/>
-              <a:t>RoyaltiesController</a:t>
+              <a:t>DatabaseController</a:t>
             </a:r>
             <a:r>
               <a:rPr lang="en-US" dirty="0" smtClean="0"/>
-              <a:t>  manages the  </a:t>
+              <a:t> purpose is to establish </a:t>
+            </a:r>
+            <a:r>
+              <a:rPr lang="en-US" dirty="0"/>
+              <a:t>connections with </a:t>
             </a:r>
             <a:r>
               <a:rPr lang="en-US" dirty="0" smtClean="0"/>
-              <a:t>royalties </a:t>
+              <a:t>the database. </a:t>
+            </a:r>
+            <a:r>
+              <a:rPr lang="en-US" dirty="0"/>
+              <a:t>Makes the data </a:t>
             </a:r>
             <a:r>
               <a:rPr lang="en-US" dirty="0" smtClean="0"/>
-              <a:t>.</a:t>
+              <a:t>viewable for the Controllers.</a:t>
             </a:r>
           </a:p>
           <a:p>
             <a:r>
               <a:rPr lang="en-US" dirty="0" err="1" smtClean="0"/>
-              <a:t>RoyaltiesController</a:t>
+              <a:t>DatabaseController</a:t>
             </a:r>
             <a:r>
               <a:rPr lang="en-US" dirty="0" smtClean="0"/>
-              <a:t>  </a:t>
-            </a:r>
-            <a:r>
-              <a:rPr lang="en-US" dirty="0" smtClean="0"/>
-              <a:t>has a gets Royalties: ID, Name, Phone Number , Ext, Addresses , Website, E-mail, PPOC, Royalties.</a:t>
-            </a:r>
-          </a:p>
-          <a:p>
-            <a:pPr>
-              <a:buNone/>
-            </a:pPr>
+              <a:t> has a way to retrieve data stored in Database such as: Inventory, Royalties, Users, Vendors.</a:t>
+            </a:r>
+          </a:p>
+          <a:p>
             <a:endParaRPr lang="en-US" dirty="0"/>
           </a:p>
         </p:txBody>
       </p:sp>
     </p:spTree>
+    <p:extLst>
+      <p:ext uri="{BB962C8B-B14F-4D97-AF65-F5344CB8AC3E}">
+        <p14:creationId xmlns:p14="http://schemas.microsoft.com/office/powerpoint/2010/main" val="2357821948"/>
+      </p:ext>
+    </p:extLst>
   </p:cSld>
   <p:clrMapOvr>
     <a:masterClrMapping/>
@@ -8640,8 +8833,8 @@
           <a:lstStyle/>
           <a:p>
             <a:r>
-              <a:rPr lang="en-US" dirty="0" err="1" smtClean="0"/>
-              <a:t>UserController</a:t>
+              <a:rPr lang="en-US" dirty="0" smtClean="0"/>
+              <a:t>IMSGUI</a:t>
             </a:r>
             <a:endParaRPr lang="en-US" dirty="0"/>
           </a:p>
@@ -8649,7 +8842,7 @@
       </p:sp>
       <p:pic>
         <p:nvPicPr>
-          <p:cNvPr id="7" name="Content Placeholder 6" descr="RoyalitesController.png"/>
+          <p:cNvPr id="7" name="Content Placeholder 6"/>
           <p:cNvPicPr>
             <a:picLocks noGrp="1" noChangeAspect="1"/>
           </p:cNvPicPr>
@@ -8658,16 +8851,23 @@
           </p:nvPr>
         </p:nvPicPr>
         <p:blipFill>
-          <a:blip r:embed="rId2"/>
+          <a:blip r:embed="rId2">
+            <a:extLst>
+              <a:ext uri="{28A0092B-C50C-407E-A947-70E740481C1C}">
+                <a14:useLocalDpi xmlns:a14="http://schemas.microsoft.com/office/drawing/2010/main" val="0"/>
+              </a:ext>
+            </a:extLst>
+          </a:blip>
           <a:stretch>
             <a:fillRect/>
           </a:stretch>
         </p:blipFill>
         <p:spPr>
           <a:xfrm>
-            <a:off x="4104167" y="1892596"/>
-            <a:ext cx="4688959" cy="4763386"/>
+            <a:off x="629526" y="2140935"/>
+            <a:ext cx="3867817" cy="4476306"/>
           </a:xfrm>
+          <a:noFill/>
         </p:spPr>
       </p:pic>
       <p:sp>
@@ -8680,12 +8880,7 @@
             <p:ph type="body" sz="quarter" idx="3"/>
           </p:nvPr>
         </p:nvSpPr>
-        <p:spPr>
-          <a:xfrm>
-            <a:off x="1046910" y="2416629"/>
-            <a:ext cx="3467806" cy="576262"/>
-          </a:xfrm>
-        </p:spPr>
+        <p:spPr/>
         <p:txBody>
           <a:bodyPr/>
           <a:lstStyle/>
@@ -8708,32 +8903,49 @@
             <p:ph sz="quarter" idx="4"/>
           </p:nvPr>
         </p:nvSpPr>
-        <p:spPr>
-          <a:xfrm>
-            <a:off x="320204" y="3160911"/>
-            <a:ext cx="3672248" cy="2665259"/>
-          </a:xfrm>
-        </p:spPr>
-        <p:txBody>
-          <a:bodyPr/>
-          <a:lstStyle/>
+        <p:spPr/>
+        <p:txBody>
+          <a:bodyPr>
+            <a:noAutofit/>
+          </a:bodyPr>
+          <a:lstStyle/>
+          <a:p>
+            <a:endParaRPr lang="en-US" dirty="0" smtClean="0"/>
+          </a:p>
+          <a:p>
+            <a:endParaRPr lang="en-US" dirty="0" smtClean="0"/>
+          </a:p>
           <a:p>
             <a:r>
               <a:rPr lang="en-US" dirty="0" smtClean="0"/>
-              <a:t>User Controller is used predominately for creating new users and changing login credentials.</a:t>
-            </a:r>
-          </a:p>
-          <a:p>
+              <a:t>It provides an graphical user interface.</a:t>
+            </a:r>
+          </a:p>
+          <a:p>
+            <a:r>
+              <a:rPr lang="en-US" dirty="0" smtClean="0"/>
+              <a:t>Contains all the graphical design components</a:t>
+            </a:r>
+          </a:p>
+          <a:p>
+            <a:r>
+              <a:rPr lang="en-US" dirty="0" smtClean="0"/>
+              <a:t>Small with a handful of items</a:t>
+            </a:r>
+          </a:p>
+          <a:p>
+            <a:pPr marL="0" indent="0">
+              <a:buNone/>
+            </a:pPr>
             <a:endParaRPr lang="en-US" dirty="0" smtClean="0"/>
           </a:p>
           <a:p>
-            <a:r>
-              <a:rPr lang="en-US" dirty="0" err="1" smtClean="0"/>
-              <a:t>UserController</a:t>
-            </a:r>
+            <a:pPr marL="0" indent="0">
+              <a:buNone/>
+            </a:pPr>
             <a:r>
               <a:rPr lang="en-US" dirty="0" smtClean="0"/>
-              <a:t>  methods are gets Users: ID, User Name, Password, Level.</a:t>
+              <a:t>.</a:t>
             </a:r>
           </a:p>
           <a:p>
@@ -8745,6 +8957,11 @@
         </p:txBody>
       </p:sp>
     </p:spTree>
+    <p:extLst>
+      <p:ext uri="{BB962C8B-B14F-4D97-AF65-F5344CB8AC3E}">
+        <p14:creationId xmlns:p14="http://schemas.microsoft.com/office/powerpoint/2010/main" val="3279454116"/>
+      </p:ext>
+    </p:extLst>
   </p:cSld>
   <p:clrMapOvr>
     <a:masterClrMapping/>
@@ -8793,7 +9010,7 @@
           <a:p>
             <a:r>
               <a:rPr lang="en-US" dirty="0" smtClean="0"/>
-              <a:t>Terry’s slides are after this slide</a:t>
+              <a:t>Purpose</a:t>
             </a:r>
             <a:endParaRPr lang="en-US" dirty="0"/>
           </a:p>
@@ -8816,7 +9033,19 @@
           <a:p>
             <a:r>
               <a:rPr lang="en-US" dirty="0" smtClean="0"/>
-              <a:t>Terry covers Purpose, GUI, &amp; How to use it</a:t>
+              <a:t>To create a software to contain all the inventory of the client.</a:t>
+            </a:r>
+          </a:p>
+          <a:p>
+            <a:r>
+              <a:rPr lang="en-US" dirty="0" smtClean="0"/>
+              <a:t>To help personnel by including informative descriptions for each item</a:t>
+            </a:r>
+          </a:p>
+          <a:p>
+            <a:r>
+              <a:rPr lang="en-US" dirty="0" smtClean="0"/>
+              <a:t>To keep track of other information related to stock, such as royalties and vendors</a:t>
             </a:r>
             <a:endParaRPr lang="en-US" dirty="0"/>
           </a:p>
@@ -8825,7 +9054,7 @@
     </p:spTree>
     <p:extLst>
       <p:ext uri="{BB962C8B-B14F-4D97-AF65-F5344CB8AC3E}">
-        <p14:creationId xmlns:p14="http://schemas.microsoft.com/office/powerpoint/2010/main" val="1930367192"/>
+        <p14:creationId xmlns:p14="http://schemas.microsoft.com/office/powerpoint/2010/main" val="2207207872"/>
       </p:ext>
     </p:extLst>
   </p:cSld>
@@ -8875,8 +9104,8 @@
           <a:lstStyle/>
           <a:p>
             <a:r>
-              <a:rPr lang="en-US" dirty="0" err="1" smtClean="0"/>
-              <a:t>VendorController</a:t>
+              <a:rPr lang="en-US" dirty="0" err="1"/>
+              <a:t>InventoryManagementSystem</a:t>
             </a:r>
             <a:endParaRPr lang="en-US" dirty="0"/>
           </a:p>
@@ -8884,7 +9113,7 @@
       </p:sp>
       <p:pic>
         <p:nvPicPr>
-          <p:cNvPr id="7" name="Content Placeholder 6" descr="RoyalitesController.png"/>
+          <p:cNvPr id="7" name="Content Placeholder 6"/>
           <p:cNvPicPr>
             <a:picLocks noGrp="1" noChangeAspect="1"/>
           </p:cNvPicPr>
@@ -8893,15 +9122,21 @@
           </p:nvPr>
         </p:nvPicPr>
         <p:blipFill>
-          <a:blip r:embed="rId2"/>
+          <a:blip r:embed="rId2">
+            <a:extLst>
+              <a:ext uri="{28A0092B-C50C-407E-A947-70E740481C1C}">
+                <a14:useLocalDpi xmlns:a14="http://schemas.microsoft.com/office/drawing/2010/main" val="0"/>
+              </a:ext>
+            </a:extLst>
+          </a:blip>
           <a:stretch>
             <a:fillRect/>
           </a:stretch>
         </p:blipFill>
         <p:spPr>
           <a:xfrm>
-            <a:off x="3955311" y="1913860"/>
-            <a:ext cx="4901609" cy="4944140"/>
+            <a:off x="629526" y="3120440"/>
+            <a:ext cx="3867817" cy="2517296"/>
           </a:xfrm>
         </p:spPr>
       </p:pic>
@@ -8915,12 +9150,7 @@
             <p:ph type="body" sz="quarter" idx="3"/>
           </p:nvPr>
         </p:nvSpPr>
-        <p:spPr>
-          <a:xfrm>
-            <a:off x="1046910" y="2416629"/>
-            <a:ext cx="3467806" cy="576262"/>
-          </a:xfrm>
-        </p:spPr>
+        <p:spPr/>
         <p:txBody>
           <a:bodyPr/>
           <a:lstStyle/>
@@ -8943,59 +9173,65 @@
             <p:ph sz="quarter" idx="4"/>
           </p:nvPr>
         </p:nvSpPr>
-        <p:spPr>
-          <a:xfrm>
-            <a:off x="320204" y="3160911"/>
-            <a:ext cx="3672248" cy="2665259"/>
-          </a:xfrm>
-        </p:spPr>
-        <p:txBody>
-          <a:bodyPr/>
-          <a:lstStyle/>
-          <a:p>
-            <a:r>
-              <a:rPr lang="en-US" dirty="0" err="1" smtClean="0"/>
-              <a:t>VendorController</a:t>
-            </a:r>
+        <p:spPr/>
+        <p:txBody>
+          <a:bodyPr>
+            <a:normAutofit fontScale="92500" lnSpcReduction="20000"/>
+          </a:bodyPr>
+          <a:lstStyle/>
+          <a:p>
+            <a:endParaRPr lang="en-US" dirty="0" smtClean="0"/>
+          </a:p>
+          <a:p>
+            <a:endParaRPr lang="en-US" dirty="0" smtClean="0"/>
+          </a:p>
+          <a:p>
             <a:r>
               <a:rPr lang="en-US" dirty="0" smtClean="0"/>
-              <a:t> manages Vendors.</a:t>
-            </a:r>
-          </a:p>
-          <a:p>
-            <a:r>
-              <a:rPr lang="en-US" dirty="0" err="1" smtClean="0"/>
-              <a:t>VendorController</a:t>
-            </a:r>
+              <a:t>It is the main hub from where everything is connected.</a:t>
+            </a:r>
+          </a:p>
+          <a:p>
             <a:r>
               <a:rPr lang="en-US" dirty="0" smtClean="0"/>
-              <a:t> shows items that vendors sells.</a:t>
-            </a:r>
-          </a:p>
-          <a:p>
-            <a:r>
-              <a:rPr lang="en-US" dirty="0" err="1" smtClean="0"/>
-              <a:t>VendorController</a:t>
-            </a:r>
+              <a:t>Provides the main scope.</a:t>
+            </a:r>
+          </a:p>
+          <a:p>
             <a:r>
               <a:rPr lang="en-US" dirty="0" smtClean="0"/>
-              <a:t> is similar to </a:t>
-            </a:r>
-            <a:r>
-              <a:rPr lang="en-US" dirty="0" err="1" smtClean="0"/>
-              <a:t>RoyaltiesController</a:t>
-            </a:r>
+              <a:t>Dictates class distribution.</a:t>
+            </a:r>
+          </a:p>
+          <a:p>
+            <a:pPr marL="0" indent="0">
+              <a:buNone/>
+            </a:pPr>
+            <a:endParaRPr lang="en-US" dirty="0" smtClean="0"/>
+          </a:p>
+          <a:p>
+            <a:pPr marL="0" indent="0">
+              <a:buNone/>
+            </a:pPr>
             <a:r>
               <a:rPr lang="en-US" dirty="0" smtClean="0"/>
-              <a:t>. Except it doesn’t have get Royalties.</a:t>
-            </a:r>
-          </a:p>
-          <a:p>
+              <a:t>.</a:t>
+            </a:r>
+          </a:p>
+          <a:p>
+            <a:pPr>
+              <a:buNone/>
+            </a:pPr>
             <a:endParaRPr lang="en-US" dirty="0"/>
           </a:p>
         </p:txBody>
       </p:sp>
     </p:spTree>
+    <p:extLst>
+      <p:ext uri="{BB962C8B-B14F-4D97-AF65-F5344CB8AC3E}">
+        <p14:creationId xmlns:p14="http://schemas.microsoft.com/office/powerpoint/2010/main" val="1688806416"/>
+      </p:ext>
+    </p:extLst>
   </p:cSld>
   <p:clrMapOvr>
     <a:masterClrMapping/>
@@ -9043,534 +9279,6 @@
           <a:lstStyle/>
           <a:p>
             <a:r>
-              <a:rPr lang="en-US" dirty="0" err="1" smtClean="0"/>
-              <a:t>DatabaseController</a:t>
-            </a:r>
-            <a:endParaRPr lang="en-US" dirty="0"/>
-          </a:p>
-        </p:txBody>
-      </p:sp>
-      <p:pic>
-        <p:nvPicPr>
-          <p:cNvPr id="7" name="Content Placeholder 6"/>
-          <p:cNvPicPr>
-            <a:picLocks noGrp="1" noChangeAspect="1"/>
-          </p:cNvPicPr>
-          <p:nvPr>
-            <p:ph sz="half" idx="2"/>
-          </p:nvPr>
-        </p:nvPicPr>
-        <p:blipFill>
-          <a:blip r:embed="rId2">
-            <a:extLst>
-              <a:ext uri="{28A0092B-C50C-407E-A947-70E740481C1C}">
-                <a14:useLocalDpi xmlns:a14="http://schemas.microsoft.com/office/drawing/2010/main" val="0"/>
-              </a:ext>
-            </a:extLst>
-          </a:blip>
-          <a:stretch>
-            <a:fillRect/>
-          </a:stretch>
-        </p:blipFill>
-        <p:spPr>
-          <a:xfrm>
-            <a:off x="3955311" y="2334279"/>
-            <a:ext cx="4901609" cy="4103301"/>
-          </a:xfrm>
-        </p:spPr>
-      </p:pic>
-      <p:sp>
-        <p:nvSpPr>
-          <p:cNvPr id="5" name="Text Placeholder 4"/>
-          <p:cNvSpPr>
-            <a:spLocks noGrp="1"/>
-          </p:cNvSpPr>
-          <p:nvPr>
-            <p:ph type="body" sz="quarter" idx="3"/>
-          </p:nvPr>
-        </p:nvSpPr>
-        <p:spPr>
-          <a:xfrm>
-            <a:off x="1046910" y="2416629"/>
-            <a:ext cx="3467806" cy="576262"/>
-          </a:xfrm>
-        </p:spPr>
-        <p:txBody>
-          <a:bodyPr/>
-          <a:lstStyle/>
-          <a:p>
-            <a:r>
-              <a:rPr lang="en-US" dirty="0" smtClean="0"/>
-              <a:t>What does it do?</a:t>
-            </a:r>
-            <a:endParaRPr lang="en-US" dirty="0"/>
-          </a:p>
-        </p:txBody>
-      </p:sp>
-      <p:sp>
-        <p:nvSpPr>
-          <p:cNvPr id="6" name="Content Placeholder 5"/>
-          <p:cNvSpPr>
-            <a:spLocks noGrp="1"/>
-          </p:cNvSpPr>
-          <p:nvPr>
-            <p:ph sz="quarter" idx="4"/>
-          </p:nvPr>
-        </p:nvSpPr>
-        <p:spPr>
-          <a:xfrm>
-            <a:off x="320204" y="3160911"/>
-            <a:ext cx="3672248" cy="2665259"/>
-          </a:xfrm>
-        </p:spPr>
-        <p:txBody>
-          <a:bodyPr/>
-          <a:lstStyle/>
-          <a:p>
-            <a:r>
-              <a:rPr lang="en-US" dirty="0" err="1" smtClean="0"/>
-              <a:t>DatabaseController</a:t>
-            </a:r>
-            <a:r>
-              <a:rPr lang="en-US" dirty="0" smtClean="0"/>
-              <a:t> purpose is to establish </a:t>
-            </a:r>
-            <a:r>
-              <a:rPr lang="en-US" dirty="0"/>
-              <a:t>connections with </a:t>
-            </a:r>
-            <a:r>
-              <a:rPr lang="en-US" dirty="0" smtClean="0"/>
-              <a:t>the database. </a:t>
-            </a:r>
-            <a:r>
-              <a:rPr lang="en-US" dirty="0"/>
-              <a:t>Makes the data </a:t>
-            </a:r>
-            <a:r>
-              <a:rPr lang="en-US" dirty="0" smtClean="0"/>
-              <a:t>viewable for the Controllers.</a:t>
-            </a:r>
-          </a:p>
-          <a:p>
-            <a:r>
-              <a:rPr lang="en-US" dirty="0" err="1" smtClean="0"/>
-              <a:t>DatabaseController</a:t>
-            </a:r>
-            <a:r>
-              <a:rPr lang="en-US" dirty="0" smtClean="0"/>
-              <a:t> has a way to retrieve data stored in Database such as: Inventory, Royalties, Users, Vendors.</a:t>
-            </a:r>
-          </a:p>
-          <a:p>
-            <a:endParaRPr lang="en-US" dirty="0"/>
-          </a:p>
-        </p:txBody>
-      </p:sp>
-    </p:spTree>
-    <p:extLst>
-      <p:ext uri="{BB962C8B-B14F-4D97-AF65-F5344CB8AC3E}">
-        <p14:creationId xmlns:p14="http://schemas.microsoft.com/office/powerpoint/2010/main" val="2357821948"/>
-      </p:ext>
-    </p:extLst>
-  </p:cSld>
-  <p:clrMapOvr>
-    <a:masterClrMapping/>
-  </p:clrMapOvr>
-  <p:timing>
-    <p:tnLst>
-      <p:par>
-        <p:cTn id="1" dur="indefinite" restart="never" nodeType="tmRoot"/>
-      </p:par>
-    </p:tnLst>
-  </p:timing>
-</p:sld>
-</file>
-
-<file path=ppt/slides/slide22.xml><?xml version="1.0" encoding="utf-8"?>
-<p:sld xmlns:a="http://schemas.openxmlformats.org/drawingml/2006/main" xmlns:r="http://schemas.openxmlformats.org/officeDocument/2006/relationships" xmlns:p="http://schemas.openxmlformats.org/presentationml/2006/main">
-  <p:cSld>
-    <p:spTree>
-      <p:nvGrpSpPr>
-        <p:cNvPr id="1" name=""/>
-        <p:cNvGrpSpPr/>
-        <p:nvPr/>
-      </p:nvGrpSpPr>
-      <p:grpSpPr>
-        <a:xfrm>
-          <a:off x="0" y="0"/>
-          <a:ext cx="0" cy="0"/>
-          <a:chOff x="0" y="0"/>
-          <a:chExt cx="0" cy="0"/>
-        </a:xfrm>
-      </p:grpSpPr>
-      <p:sp>
-        <p:nvSpPr>
-          <p:cNvPr id="2" name="Title 1"/>
-          <p:cNvSpPr>
-            <a:spLocks noGrp="1"/>
-          </p:cNvSpPr>
-          <p:nvPr>
-            <p:ph type="title"/>
-          </p:nvPr>
-        </p:nvSpPr>
-        <p:spPr/>
-        <p:txBody>
-          <a:bodyPr/>
-          <a:lstStyle/>
-          <a:p>
-            <a:r>
-              <a:rPr lang="en-US" dirty="0" smtClean="0"/>
-              <a:t>IMSGUI</a:t>
-            </a:r>
-            <a:endParaRPr lang="en-US" dirty="0"/>
-          </a:p>
-        </p:txBody>
-      </p:sp>
-      <p:pic>
-        <p:nvPicPr>
-          <p:cNvPr id="7" name="Content Placeholder 6"/>
-          <p:cNvPicPr>
-            <a:picLocks noGrp="1" noChangeAspect="1"/>
-          </p:cNvPicPr>
-          <p:nvPr>
-            <p:ph sz="half" idx="2"/>
-          </p:nvPr>
-        </p:nvPicPr>
-        <p:blipFill>
-          <a:blip r:embed="rId2">
-            <a:extLst>
-              <a:ext uri="{28A0092B-C50C-407E-A947-70E740481C1C}">
-                <a14:useLocalDpi xmlns:a14="http://schemas.microsoft.com/office/drawing/2010/main" val="0"/>
-              </a:ext>
-            </a:extLst>
-          </a:blip>
-          <a:stretch>
-            <a:fillRect/>
-          </a:stretch>
-        </p:blipFill>
-        <p:spPr>
-          <a:xfrm>
-            <a:off x="629526" y="2140935"/>
-            <a:ext cx="3867817" cy="4476306"/>
-          </a:xfrm>
-          <a:noFill/>
-        </p:spPr>
-      </p:pic>
-      <p:sp>
-        <p:nvSpPr>
-          <p:cNvPr id="5" name="Text Placeholder 4"/>
-          <p:cNvSpPr>
-            <a:spLocks noGrp="1"/>
-          </p:cNvSpPr>
-          <p:nvPr>
-            <p:ph type="body" sz="quarter" idx="3"/>
-          </p:nvPr>
-        </p:nvSpPr>
-        <p:spPr/>
-        <p:txBody>
-          <a:bodyPr/>
-          <a:lstStyle/>
-          <a:p>
-            <a:r>
-              <a:rPr lang="en-US" dirty="0" smtClean="0"/>
-              <a:t>What does it do?</a:t>
-            </a:r>
-            <a:endParaRPr lang="en-US" dirty="0"/>
-          </a:p>
-        </p:txBody>
-      </p:sp>
-      <p:sp>
-        <p:nvSpPr>
-          <p:cNvPr id="6" name="Content Placeholder 5"/>
-          <p:cNvSpPr>
-            <a:spLocks noGrp="1"/>
-          </p:cNvSpPr>
-          <p:nvPr>
-            <p:ph sz="quarter" idx="4"/>
-          </p:nvPr>
-        </p:nvSpPr>
-        <p:spPr/>
-        <p:txBody>
-          <a:bodyPr>
-            <a:noAutofit/>
-          </a:bodyPr>
-          <a:lstStyle/>
-          <a:p>
-            <a:endParaRPr lang="en-US" dirty="0" smtClean="0"/>
-          </a:p>
-          <a:p>
-            <a:endParaRPr lang="en-US" dirty="0" smtClean="0"/>
-          </a:p>
-          <a:p>
-            <a:r>
-              <a:rPr lang="en-US" dirty="0" smtClean="0"/>
-              <a:t>It provides an graphical user interface.</a:t>
-            </a:r>
-          </a:p>
-          <a:p>
-            <a:r>
-              <a:rPr lang="en-US" dirty="0" smtClean="0"/>
-              <a:t>Contains all the graphical design components</a:t>
-            </a:r>
-          </a:p>
-          <a:p>
-            <a:r>
-              <a:rPr lang="en-US" dirty="0" smtClean="0"/>
-              <a:t>Small with a handful of items</a:t>
-            </a:r>
-          </a:p>
-          <a:p>
-            <a:pPr marL="0" indent="0">
-              <a:buNone/>
-            </a:pPr>
-            <a:endParaRPr lang="en-US" dirty="0" smtClean="0"/>
-          </a:p>
-          <a:p>
-            <a:pPr marL="0" indent="0">
-              <a:buNone/>
-            </a:pPr>
-            <a:r>
-              <a:rPr lang="en-US" dirty="0" smtClean="0"/>
-              <a:t>.</a:t>
-            </a:r>
-          </a:p>
-          <a:p>
-            <a:pPr>
-              <a:buNone/>
-            </a:pPr>
-            <a:endParaRPr lang="en-US" dirty="0"/>
-          </a:p>
-        </p:txBody>
-      </p:sp>
-    </p:spTree>
-    <p:extLst>
-      <p:ext uri="{BB962C8B-B14F-4D97-AF65-F5344CB8AC3E}">
-        <p14:creationId xmlns:p14="http://schemas.microsoft.com/office/powerpoint/2010/main" val="3279454116"/>
-      </p:ext>
-    </p:extLst>
-  </p:cSld>
-  <p:clrMapOvr>
-    <a:masterClrMapping/>
-  </p:clrMapOvr>
-  <p:timing>
-    <p:tnLst>
-      <p:par>
-        <p:cTn id="1" dur="indefinite" restart="never" nodeType="tmRoot"/>
-      </p:par>
-    </p:tnLst>
-  </p:timing>
-</p:sld>
-</file>
-
-<file path=ppt/slides/slide23.xml><?xml version="1.0" encoding="utf-8"?>
-<p:sld xmlns:a="http://schemas.openxmlformats.org/drawingml/2006/main" xmlns:r="http://schemas.openxmlformats.org/officeDocument/2006/relationships" xmlns:p="http://schemas.openxmlformats.org/presentationml/2006/main">
-  <p:cSld>
-    <p:spTree>
-      <p:nvGrpSpPr>
-        <p:cNvPr id="1" name=""/>
-        <p:cNvGrpSpPr/>
-        <p:nvPr/>
-      </p:nvGrpSpPr>
-      <p:grpSpPr>
-        <a:xfrm>
-          <a:off x="0" y="0"/>
-          <a:ext cx="0" cy="0"/>
-          <a:chOff x="0" y="0"/>
-          <a:chExt cx="0" cy="0"/>
-        </a:xfrm>
-      </p:grpSpPr>
-      <p:sp>
-        <p:nvSpPr>
-          <p:cNvPr id="2" name="Title 1"/>
-          <p:cNvSpPr>
-            <a:spLocks noGrp="1"/>
-          </p:cNvSpPr>
-          <p:nvPr>
-            <p:ph type="title"/>
-          </p:nvPr>
-        </p:nvSpPr>
-        <p:spPr/>
-        <p:txBody>
-          <a:bodyPr/>
-          <a:lstStyle/>
-          <a:p>
-            <a:r>
-              <a:rPr lang="en-US" dirty="0" err="1"/>
-              <a:t>InventoryManagementSystem</a:t>
-            </a:r>
-            <a:endParaRPr lang="en-US" dirty="0"/>
-          </a:p>
-        </p:txBody>
-      </p:sp>
-      <p:pic>
-        <p:nvPicPr>
-          <p:cNvPr id="7" name="Content Placeholder 6"/>
-          <p:cNvPicPr>
-            <a:picLocks noGrp="1" noChangeAspect="1"/>
-          </p:cNvPicPr>
-          <p:nvPr>
-            <p:ph sz="half" idx="2"/>
-          </p:nvPr>
-        </p:nvPicPr>
-        <p:blipFill>
-          <a:blip r:embed="rId2">
-            <a:extLst>
-              <a:ext uri="{28A0092B-C50C-407E-A947-70E740481C1C}">
-                <a14:useLocalDpi xmlns:a14="http://schemas.microsoft.com/office/drawing/2010/main" val="0"/>
-              </a:ext>
-            </a:extLst>
-          </a:blip>
-          <a:stretch>
-            <a:fillRect/>
-          </a:stretch>
-        </p:blipFill>
-        <p:spPr>
-          <a:xfrm>
-            <a:off x="629526" y="3120440"/>
-            <a:ext cx="3867817" cy="2517296"/>
-          </a:xfrm>
-        </p:spPr>
-      </p:pic>
-      <p:sp>
-        <p:nvSpPr>
-          <p:cNvPr id="5" name="Text Placeholder 4"/>
-          <p:cNvSpPr>
-            <a:spLocks noGrp="1"/>
-          </p:cNvSpPr>
-          <p:nvPr>
-            <p:ph type="body" sz="quarter" idx="3"/>
-          </p:nvPr>
-        </p:nvSpPr>
-        <p:spPr/>
-        <p:txBody>
-          <a:bodyPr/>
-          <a:lstStyle/>
-          <a:p>
-            <a:r>
-              <a:rPr lang="en-US" dirty="0" smtClean="0"/>
-              <a:t>What does it do?</a:t>
-            </a:r>
-            <a:endParaRPr lang="en-US" dirty="0"/>
-          </a:p>
-        </p:txBody>
-      </p:sp>
-      <p:sp>
-        <p:nvSpPr>
-          <p:cNvPr id="6" name="Content Placeholder 5"/>
-          <p:cNvSpPr>
-            <a:spLocks noGrp="1"/>
-          </p:cNvSpPr>
-          <p:nvPr>
-            <p:ph sz="quarter" idx="4"/>
-          </p:nvPr>
-        </p:nvSpPr>
-        <p:spPr/>
-        <p:txBody>
-          <a:bodyPr>
-            <a:normAutofit fontScale="92500" lnSpcReduction="20000"/>
-          </a:bodyPr>
-          <a:lstStyle/>
-          <a:p>
-            <a:endParaRPr lang="en-US" dirty="0" smtClean="0"/>
-          </a:p>
-          <a:p>
-            <a:endParaRPr lang="en-US" dirty="0" smtClean="0"/>
-          </a:p>
-          <a:p>
-            <a:r>
-              <a:rPr lang="en-US" dirty="0" smtClean="0"/>
-              <a:t>It is the main hub from where everything is connected.</a:t>
-            </a:r>
-          </a:p>
-          <a:p>
-            <a:r>
-              <a:rPr lang="en-US" dirty="0" smtClean="0"/>
-              <a:t>Provides the main scope.</a:t>
-            </a:r>
-          </a:p>
-          <a:p>
-            <a:r>
-              <a:rPr lang="en-US" dirty="0" smtClean="0"/>
-              <a:t>Dictates class distribution.</a:t>
-            </a:r>
-          </a:p>
-          <a:p>
-            <a:pPr marL="0" indent="0">
-              <a:buNone/>
-            </a:pPr>
-            <a:endParaRPr lang="en-US" dirty="0" smtClean="0"/>
-          </a:p>
-          <a:p>
-            <a:pPr marL="0" indent="0">
-              <a:buNone/>
-            </a:pPr>
-            <a:r>
-              <a:rPr lang="en-US" dirty="0" smtClean="0"/>
-              <a:t>.</a:t>
-            </a:r>
-          </a:p>
-          <a:p>
-            <a:pPr>
-              <a:buNone/>
-            </a:pPr>
-            <a:endParaRPr lang="en-US" dirty="0"/>
-          </a:p>
-        </p:txBody>
-      </p:sp>
-    </p:spTree>
-    <p:extLst>
-      <p:ext uri="{BB962C8B-B14F-4D97-AF65-F5344CB8AC3E}">
-        <p14:creationId xmlns:p14="http://schemas.microsoft.com/office/powerpoint/2010/main" val="1688806416"/>
-      </p:ext>
-    </p:extLst>
-  </p:cSld>
-  <p:clrMapOvr>
-    <a:masterClrMapping/>
-  </p:clrMapOvr>
-  <p:timing>
-    <p:tnLst>
-      <p:par>
-        <p:cTn id="1" dur="indefinite" restart="never" nodeType="tmRoot"/>
-      </p:par>
-    </p:tnLst>
-  </p:timing>
-</p:sld>
-</file>
-
-<file path=ppt/slides/slide24.xml><?xml version="1.0" encoding="utf-8"?>
-<p:sld xmlns:a="http://schemas.openxmlformats.org/drawingml/2006/main" xmlns:r="http://schemas.openxmlformats.org/officeDocument/2006/relationships" xmlns:p="http://schemas.openxmlformats.org/presentationml/2006/main">
-  <p:cSld>
-    <p:spTree>
-      <p:nvGrpSpPr>
-        <p:cNvPr id="1" name=""/>
-        <p:cNvGrpSpPr/>
-        <p:nvPr/>
-      </p:nvGrpSpPr>
-      <p:grpSpPr>
-        <a:xfrm>
-          <a:off x="0" y="0"/>
-          <a:ext cx="0" cy="0"/>
-          <a:chOff x="0" y="0"/>
-          <a:chExt cx="0" cy="0"/>
-        </a:xfrm>
-      </p:grpSpPr>
-      <p:sp>
-        <p:nvSpPr>
-          <p:cNvPr id="2" name="Title 1"/>
-          <p:cNvSpPr>
-            <a:spLocks noGrp="1"/>
-          </p:cNvSpPr>
-          <p:nvPr>
-            <p:ph type="title"/>
-          </p:nvPr>
-        </p:nvSpPr>
-        <p:spPr/>
-        <p:txBody>
-          <a:bodyPr/>
-          <a:lstStyle/>
-          <a:p>
-            <a:r>
               <a:rPr lang="en-US" dirty="0" err="1"/>
               <a:t>PictureFileFilter</a:t>
             </a:r>
@@ -9696,90 +9404,7 @@
 </p:sld>
 </file>
 
-<file path=ppt/slides/slide25.xml><?xml version="1.0" encoding="utf-8"?>
-<p:sld xmlns:a="http://schemas.openxmlformats.org/drawingml/2006/main" xmlns:r="http://schemas.openxmlformats.org/officeDocument/2006/relationships" xmlns:p="http://schemas.openxmlformats.org/presentationml/2006/main">
-  <p:cSld>
-    <p:spTree>
-      <p:nvGrpSpPr>
-        <p:cNvPr id="1" name=""/>
-        <p:cNvGrpSpPr/>
-        <p:nvPr/>
-      </p:nvGrpSpPr>
-      <p:grpSpPr>
-        <a:xfrm>
-          <a:off x="0" y="0"/>
-          <a:ext cx="0" cy="0"/>
-          <a:chOff x="0" y="0"/>
-          <a:chExt cx="0" cy="0"/>
-        </a:xfrm>
-      </p:grpSpPr>
-      <p:sp>
-        <p:nvSpPr>
-          <p:cNvPr id="2" name="Title 1"/>
-          <p:cNvSpPr>
-            <a:spLocks noGrp="1"/>
-          </p:cNvSpPr>
-          <p:nvPr>
-            <p:ph type="title"/>
-          </p:nvPr>
-        </p:nvSpPr>
-        <p:spPr/>
-        <p:txBody>
-          <a:bodyPr/>
-          <a:lstStyle/>
-          <a:p>
-            <a:r>
-              <a:rPr lang="en-US" dirty="0" smtClean="0"/>
-              <a:t>Nathan’s slides go after this</a:t>
-            </a:r>
-            <a:endParaRPr lang="en-US" dirty="0"/>
-          </a:p>
-        </p:txBody>
-      </p:sp>
-      <p:sp>
-        <p:nvSpPr>
-          <p:cNvPr id="3" name="Content Placeholder 2"/>
-          <p:cNvSpPr>
-            <a:spLocks noGrp="1"/>
-          </p:cNvSpPr>
-          <p:nvPr>
-            <p:ph idx="1"/>
-          </p:nvPr>
-        </p:nvSpPr>
-        <p:spPr/>
-        <p:txBody>
-          <a:bodyPr/>
-          <a:lstStyle/>
-          <a:p>
-            <a:r>
-              <a:rPr lang="en-US" dirty="0" smtClean="0"/>
-              <a:t>Nathan covers architecture p2 and future plans</a:t>
-            </a:r>
-            <a:endParaRPr lang="en-US" dirty="0"/>
-          </a:p>
-        </p:txBody>
-      </p:sp>
-    </p:spTree>
-    <p:extLst>
-      <p:ext uri="{BB962C8B-B14F-4D97-AF65-F5344CB8AC3E}">
-        <p14:creationId xmlns:p14="http://schemas.microsoft.com/office/powerpoint/2010/main" val="2231971645"/>
-      </p:ext>
-    </p:extLst>
-  </p:cSld>
-  <p:clrMapOvr>
-    <a:masterClrMapping/>
-  </p:clrMapOvr>
-  <p:timing>
-    <p:tnLst>
-      <p:par>
-        <p:cTn id="1" dur="indefinite" restart="never" nodeType="tmRoot"/>
-      </p:par>
-    </p:tnLst>
-  </p:timing>
-</p:sld>
-</file>
-
-<file path=ppt/slides/slide26.xml><?xml version="1.0" encoding="utf-8"?>
+<file path=ppt/slides/slide22.xml><?xml version="1.0" encoding="utf-8"?>
 <p:sld xmlns:a="http://schemas.openxmlformats.org/drawingml/2006/main" xmlns:r="http://schemas.openxmlformats.org/officeDocument/2006/relationships" xmlns:p="http://schemas.openxmlformats.org/presentationml/2006/main">
   <p:cSld>
     <p:spTree>
@@ -9868,7 +9493,7 @@
 </p:sld>
 </file>
 
-<file path=ppt/slides/slide27.xml><?xml version="1.0" encoding="utf-8"?>
+<file path=ppt/slides/slide23.xml><?xml version="1.0" encoding="utf-8"?>
 <p:sld xmlns:a="http://schemas.openxmlformats.org/drawingml/2006/main" xmlns:r="http://schemas.openxmlformats.org/officeDocument/2006/relationships" xmlns:p="http://schemas.openxmlformats.org/presentationml/2006/main">
   <p:cSld>
     <p:spTree>
@@ -9930,7 +9555,7 @@
           <a:graphicData uri="http://schemas.openxmlformats.org/presentationml/2006/ole">
             <mc:AlternateContent xmlns:mc="http://schemas.openxmlformats.org/markup-compatibility/2006">
               <mc:Choice xmlns:v="urn:schemas-microsoft-com:vml" Requires="v">
-                <p:oleObj spid="_x0000_s3096" name="Image" r:id="rId3" imgW="17587302" imgH="3212698" progId="">
+                <p:oleObj spid="_x0000_s3097" name="Image" r:id="rId3" imgW="17587302" imgH="3212698" progId="">
                   <p:embed/>
                 </p:oleObj>
               </mc:Choice>
@@ -10012,7 +9637,7 @@
 </p:sld>
 </file>
 
-<file path=ppt/slides/slide28.xml><?xml version="1.0" encoding="utf-8"?>
+<file path=ppt/slides/slide24.xml><?xml version="1.0" encoding="utf-8"?>
 <p:sld xmlns:a="http://schemas.openxmlformats.org/drawingml/2006/main" xmlns:r="http://schemas.openxmlformats.org/officeDocument/2006/relationships" xmlns:p="http://schemas.openxmlformats.org/presentationml/2006/main">
   <p:cSld>
     <p:spTree>
@@ -10074,7 +9699,7 @@
           <a:graphicData uri="http://schemas.openxmlformats.org/presentationml/2006/ole">
             <mc:AlternateContent xmlns:mc="http://schemas.openxmlformats.org/markup-compatibility/2006">
               <mc:Choice xmlns:v="urn:schemas-microsoft-com:vml" Requires="v">
-                <p:oleObj spid="_x0000_s4142" name="Image" r:id="rId3" imgW="4634921" imgH="8165079" progId="">
+                <p:oleObj spid="_x0000_s4144" name="Image" r:id="rId3" imgW="4634921" imgH="8165079" progId="">
                   <p:embed/>
                 </p:oleObj>
               </mc:Choice>
@@ -10158,7 +9783,7 @@
           <a:graphicData uri="http://schemas.openxmlformats.org/presentationml/2006/ole">
             <mc:AlternateContent xmlns:mc="http://schemas.openxmlformats.org/markup-compatibility/2006">
               <mc:Choice xmlns:v="urn:schemas-microsoft-com:vml" Requires="v">
-                <p:oleObj spid="_x0000_s4143" name="Image" r:id="rId5" imgW="3530159" imgH="11619048" progId="">
+                <p:oleObj spid="_x0000_s4145" name="Image" r:id="rId5" imgW="3530159" imgH="11619048" progId="">
                   <p:embed/>
                 </p:oleObj>
               </mc:Choice>
@@ -10240,7 +9865,7 @@
 </p:sld>
 </file>
 
-<file path=ppt/slides/slide29.xml><?xml version="1.0" encoding="utf-8"?>
+<file path=ppt/slides/slide25.xml><?xml version="1.0" encoding="utf-8"?>
 <p:sld xmlns:a="http://schemas.openxmlformats.org/drawingml/2006/main" xmlns:r="http://schemas.openxmlformats.org/officeDocument/2006/relationships" xmlns:p="http://schemas.openxmlformats.org/presentationml/2006/main">
   <p:cSld>
     <p:spTree>
@@ -10279,7 +9904,7 @@
           <a:graphicData uri="http://schemas.openxmlformats.org/presentationml/2006/ole">
             <mc:AlternateContent xmlns:mc="http://schemas.openxmlformats.org/markup-compatibility/2006">
               <mc:Choice xmlns:v="urn:schemas-microsoft-com:vml" Requires="v">
-                <p:oleObj spid="_x0000_s5144" name="Image" r:id="rId3" imgW="8292063" imgH="7403175" progId="">
+                <p:oleObj spid="_x0000_s5145" name="Image" r:id="rId3" imgW="8292063" imgH="7403175" progId="">
                   <p:embed/>
                 </p:oleObj>
               </mc:Choice>
@@ -10384,7 +10009,7 @@
 </p:sld>
 </file>
 
-<file path=ppt/slides/slide3.xml><?xml version="1.0" encoding="utf-8"?>
+<file path=ppt/slides/slide26.xml><?xml version="1.0" encoding="utf-8"?>
 <p:sld xmlns:a="http://schemas.openxmlformats.org/drawingml/2006/main" xmlns:r="http://schemas.openxmlformats.org/officeDocument/2006/relationships" xmlns:p="http://schemas.openxmlformats.org/presentationml/2006/main">
   <p:cSld>
     <p:spTree>
@@ -10418,7 +10043,7 @@
           <a:p>
             <a:r>
               <a:rPr lang="en-US" dirty="0" smtClean="0"/>
-              <a:t>Purpose</a:t>
+              <a:t>Infeasible Components</a:t>
             </a:r>
             <a:endParaRPr lang="en-US" dirty="0"/>
           </a:p>
@@ -10441,108 +10066,27 @@
           <a:p>
             <a:r>
               <a:rPr lang="en-US" dirty="0" smtClean="0"/>
-              <a:t>To create a software to contain all the inventory of the client.</a:t>
+              <a:t>Sales Tracking</a:t>
             </a:r>
           </a:p>
           <a:p>
             <a:r>
               <a:rPr lang="en-US" dirty="0" smtClean="0"/>
-              <a:t>To </a:t>
-            </a:r>
+              <a:t>Analytics</a:t>
+            </a:r>
+          </a:p>
+          <a:p>
             <a:r>
               <a:rPr lang="en-US" dirty="0" smtClean="0"/>
-              <a:t>help personnel by including informative descriptions for each </a:t>
-            </a:r>
+              <a:t>MySQL Database</a:t>
+            </a:r>
+          </a:p>
+          <a:p>
             <a:r>
               <a:rPr lang="en-US" dirty="0" smtClean="0"/>
-              <a:t>item</a:t>
-            </a:r>
-          </a:p>
-          <a:p>
-            <a:r>
-              <a:rPr lang="en-US" dirty="0" smtClean="0"/>
-              <a:t>To keep track of other information related to stock, such as royalties and vendors</a:t>
-            </a:r>
-            <a:endParaRPr lang="en-US" dirty="0"/>
-          </a:p>
-        </p:txBody>
-      </p:sp>
-    </p:spTree>
-    <p:extLst>
-      <p:ext uri="{BB962C8B-B14F-4D97-AF65-F5344CB8AC3E}">
-        <p14:creationId xmlns:p14="http://schemas.microsoft.com/office/powerpoint/2010/main" val="2207207872"/>
-      </p:ext>
-    </p:extLst>
-  </p:cSld>
-  <p:clrMapOvr>
-    <a:masterClrMapping/>
-  </p:clrMapOvr>
-  <p:timing>
-    <p:tnLst>
-      <p:par>
-        <p:cTn id="1" dur="indefinite" restart="never" nodeType="tmRoot"/>
-      </p:par>
-    </p:tnLst>
-  </p:timing>
-</p:sld>
-</file>
-
-<file path=ppt/slides/slide30.xml><?xml version="1.0" encoding="utf-8"?>
-<p:sld xmlns:a="http://schemas.openxmlformats.org/drawingml/2006/main" xmlns:r="http://schemas.openxmlformats.org/officeDocument/2006/relationships" xmlns:p="http://schemas.openxmlformats.org/presentationml/2006/main">
-  <p:cSld>
-    <p:spTree>
-      <p:nvGrpSpPr>
-        <p:cNvPr id="1" name=""/>
-        <p:cNvGrpSpPr/>
-        <p:nvPr/>
-      </p:nvGrpSpPr>
-      <p:grpSpPr>
-        <a:xfrm>
-          <a:off x="0" y="0"/>
-          <a:ext cx="0" cy="0"/>
-          <a:chOff x="0" y="0"/>
-          <a:chExt cx="0" cy="0"/>
-        </a:xfrm>
-      </p:grpSpPr>
-      <p:sp>
-        <p:nvSpPr>
-          <p:cNvPr id="2" name="Title 1"/>
-          <p:cNvSpPr>
-            <a:spLocks noGrp="1"/>
-          </p:cNvSpPr>
-          <p:nvPr>
-            <p:ph type="title"/>
-          </p:nvPr>
-        </p:nvSpPr>
-        <p:spPr/>
-        <p:txBody>
-          <a:bodyPr/>
-          <a:lstStyle/>
-          <a:p>
-            <a:r>
-              <a:rPr lang="en-US" dirty="0" smtClean="0"/>
-              <a:t>Unit &amp; Integration Testing</a:t>
-            </a:r>
-            <a:endParaRPr lang="en-US" dirty="0"/>
-          </a:p>
-        </p:txBody>
-      </p:sp>
-      <p:sp>
-        <p:nvSpPr>
-          <p:cNvPr id="3" name="Content Placeholder 2"/>
-          <p:cNvSpPr>
-            <a:spLocks noGrp="1"/>
-          </p:cNvSpPr>
-          <p:nvPr>
-            <p:ph idx="1"/>
-          </p:nvPr>
-        </p:nvSpPr>
-        <p:spPr/>
-        <p:txBody>
-          <a:bodyPr/>
-          <a:lstStyle/>
-          <a:p>
-            <a:endParaRPr lang="en-US"/>
+              <a:t>Live Update of Website Inventory</a:t>
+            </a:r>
+            <a:endParaRPr lang="en-US" dirty="0"/>
           </a:p>
         </p:txBody>
       </p:sp>
@@ -10566,7 +10110,7 @@
 </p:sld>
 </file>
 
-<file path=ppt/slides/slide31.xml><?xml version="1.0" encoding="utf-8"?>
+<file path=ppt/slides/slide27.xml><?xml version="1.0" encoding="utf-8"?>
 <p:sld xmlns:a="http://schemas.openxmlformats.org/drawingml/2006/main" xmlns:r="http://schemas.openxmlformats.org/officeDocument/2006/relationships" xmlns:p="http://schemas.openxmlformats.org/presentationml/2006/main">
   <p:cSld>
     <p:spTree>
@@ -10739,7 +10283,7 @@
 </p:sld>
 </file>
 
-<file path=ppt/slides/slide4.xml><?xml version="1.0" encoding="utf-8"?>
+<file path=ppt/slides/slide3.xml><?xml version="1.0" encoding="utf-8"?>
 <p:sld xmlns:a="http://schemas.openxmlformats.org/drawingml/2006/main" xmlns:r="http://schemas.openxmlformats.org/officeDocument/2006/relationships" xmlns:p="http://schemas.openxmlformats.org/presentationml/2006/main">
   <p:cSld>
     <p:spTree>
@@ -10833,7 +10377,7 @@
 </p:sld>
 </file>
 
-<file path=ppt/slides/slide5.xml><?xml version="1.0" encoding="utf-8"?>
+<file path=ppt/slides/slide4.xml><?xml version="1.0" encoding="utf-8"?>
 <p:sld xmlns:a="http://schemas.openxmlformats.org/drawingml/2006/main" xmlns:r="http://schemas.openxmlformats.org/officeDocument/2006/relationships" xmlns:p="http://schemas.openxmlformats.org/presentationml/2006/main">
   <p:cSld>
     <p:spTree>
@@ -10927,7 +10471,7 @@
 </p:sld>
 </file>
 
-<file path=ppt/slides/slide6.xml><?xml version="1.0" encoding="utf-8"?>
+<file path=ppt/slides/slide5.xml><?xml version="1.0" encoding="utf-8"?>
 <p:sld xmlns:a="http://schemas.openxmlformats.org/drawingml/2006/main" xmlns:r="http://schemas.openxmlformats.org/officeDocument/2006/relationships" xmlns:p="http://schemas.openxmlformats.org/presentationml/2006/main">
   <p:cSld>
     <p:spTree>
@@ -11021,7 +10565,7 @@
 </p:sld>
 </file>
 
-<file path=ppt/slides/slide7.xml><?xml version="1.0" encoding="utf-8"?>
+<file path=ppt/slides/slide6.xml><?xml version="1.0" encoding="utf-8"?>
 <p:sld xmlns:a="http://schemas.openxmlformats.org/drawingml/2006/main" xmlns:r="http://schemas.openxmlformats.org/officeDocument/2006/relationships" xmlns:p="http://schemas.openxmlformats.org/presentationml/2006/main">
   <p:cSld>
     <p:spTree>
@@ -11115,6 +10659,106 @@
 </p:sld>
 </file>
 
+<file path=ppt/slides/slide7.xml><?xml version="1.0" encoding="utf-8"?>
+<p:sld xmlns:a="http://schemas.openxmlformats.org/drawingml/2006/main" xmlns:r="http://schemas.openxmlformats.org/officeDocument/2006/relationships" xmlns:p="http://schemas.openxmlformats.org/presentationml/2006/main">
+  <p:cSld>
+    <p:spTree>
+      <p:nvGrpSpPr>
+        <p:cNvPr id="1" name=""/>
+        <p:cNvGrpSpPr/>
+        <p:nvPr/>
+      </p:nvGrpSpPr>
+      <p:grpSpPr>
+        <a:xfrm>
+          <a:off x="0" y="0"/>
+          <a:ext cx="0" cy="0"/>
+          <a:chOff x="0" y="0"/>
+          <a:chExt cx="0" cy="0"/>
+        </a:xfrm>
+      </p:grpSpPr>
+      <p:sp>
+        <p:nvSpPr>
+          <p:cNvPr id="2" name="Title 1"/>
+          <p:cNvSpPr>
+            <a:spLocks noGrp="1"/>
+          </p:cNvSpPr>
+          <p:nvPr>
+            <p:ph type="title"/>
+          </p:nvPr>
+        </p:nvSpPr>
+        <p:spPr/>
+        <p:txBody>
+          <a:bodyPr/>
+          <a:lstStyle/>
+          <a:p>
+            <a:r>
+              <a:rPr lang="en-US" dirty="0" smtClean="0"/>
+              <a:t>Basic Functionality</a:t>
+            </a:r>
+            <a:endParaRPr lang="en-US" dirty="0"/>
+          </a:p>
+        </p:txBody>
+      </p:sp>
+      <p:sp>
+        <p:nvSpPr>
+          <p:cNvPr id="3" name="Content Placeholder 2"/>
+          <p:cNvSpPr>
+            <a:spLocks noGrp="1"/>
+          </p:cNvSpPr>
+          <p:nvPr>
+            <p:ph idx="1"/>
+          </p:nvPr>
+        </p:nvSpPr>
+        <p:spPr/>
+        <p:txBody>
+          <a:bodyPr/>
+          <a:lstStyle/>
+          <a:p>
+            <a:r>
+              <a:rPr lang="en-US" dirty="0" smtClean="0"/>
+              <a:t>User sends input to GUI</a:t>
+            </a:r>
+          </a:p>
+          <a:p>
+            <a:r>
+              <a:rPr lang="en-US" dirty="0" smtClean="0"/>
+              <a:t>GUI sends input to database</a:t>
+            </a:r>
+          </a:p>
+          <a:p>
+            <a:r>
+              <a:rPr lang="en-US" dirty="0" smtClean="0"/>
+              <a:t>Database sends output to GUI</a:t>
+            </a:r>
+          </a:p>
+          <a:p>
+            <a:r>
+              <a:rPr lang="en-US" dirty="0" smtClean="0"/>
+              <a:t>GUI sends output to user</a:t>
+            </a:r>
+          </a:p>
+        </p:txBody>
+      </p:sp>
+    </p:spTree>
+    <p:extLst>
+      <p:ext uri="{BB962C8B-B14F-4D97-AF65-F5344CB8AC3E}">
+        <p14:creationId xmlns:p14="http://schemas.microsoft.com/office/powerpoint/2010/main" val="2714848111"/>
+      </p:ext>
+    </p:extLst>
+  </p:cSld>
+  <p:clrMapOvr>
+    <a:masterClrMapping/>
+  </p:clrMapOvr>
+  <p:timing>
+    <p:tnLst>
+      <p:par>
+        <p:cTn id="1" dur="indefinite" restart="never" nodeType="tmRoot"/>
+      </p:par>
+    </p:tnLst>
+  </p:timing>
+</p:sld>
+</file>
+
 <file path=ppt/slides/slide8.xml><?xml version="1.0" encoding="utf-8"?>
 <p:sld xmlns:a="http://schemas.openxmlformats.org/drawingml/2006/main" xmlns:r="http://schemas.openxmlformats.org/officeDocument/2006/relationships" xmlns:p="http://schemas.openxmlformats.org/presentationml/2006/main">
   <p:cSld>
@@ -11148,31 +10792,37 @@
           <a:lstStyle/>
           <a:p>
             <a:r>
+              <a:rPr lang="en-US" dirty="0" err="1" smtClean="0"/>
+              <a:t>javax.swing</a:t>
+            </a:r>
+            <a:endParaRPr lang="en-US" dirty="0"/>
+          </a:p>
+        </p:txBody>
+      </p:sp>
+      <p:sp>
+        <p:nvSpPr>
+          <p:cNvPr id="3" name="Content Placeholder 2"/>
+          <p:cNvSpPr>
+            <a:spLocks noGrp="1"/>
+          </p:cNvSpPr>
+          <p:nvPr>
+            <p:ph idx="1"/>
+          </p:nvPr>
+        </p:nvSpPr>
+        <p:spPr/>
+        <p:txBody>
+          <a:bodyPr/>
+          <a:lstStyle/>
+          <a:p>
+            <a:r>
               <a:rPr lang="en-US" dirty="0" smtClean="0"/>
-              <a:t>Mike’s slides go after this one</a:t>
-            </a:r>
-            <a:endParaRPr lang="en-US" dirty="0"/>
-          </a:p>
-        </p:txBody>
-      </p:sp>
-      <p:sp>
-        <p:nvSpPr>
-          <p:cNvPr id="3" name="Content Placeholder 2"/>
-          <p:cNvSpPr>
-            <a:spLocks noGrp="1"/>
-          </p:cNvSpPr>
-          <p:nvPr>
-            <p:ph idx="1"/>
-          </p:nvPr>
-        </p:nvSpPr>
-        <p:spPr/>
-        <p:txBody>
-          <a:bodyPr/>
-          <a:lstStyle/>
+              <a:t>Standard library of lightweight display components</a:t>
+            </a:r>
+          </a:p>
           <a:p>
             <a:r>
               <a:rPr lang="en-US" dirty="0" smtClean="0"/>
-              <a:t>Mike covers: How it Works, and components</a:t>
+              <a:t>Easily define layouts and add components</a:t>
             </a:r>
             <a:endParaRPr lang="en-US" dirty="0"/>
           </a:p>
@@ -11181,7 +10831,7 @@
     </p:spTree>
     <p:extLst>
       <p:ext uri="{BB962C8B-B14F-4D97-AF65-F5344CB8AC3E}">
-        <p14:creationId xmlns:p14="http://schemas.microsoft.com/office/powerpoint/2010/main" val="3677762619"/>
+        <p14:creationId xmlns:p14="http://schemas.microsoft.com/office/powerpoint/2010/main" val="3696686053"/>
       </p:ext>
     </p:extLst>
   </p:cSld>
@@ -11232,56 +10882,72 @@
           <a:p>
             <a:r>
               <a:rPr lang="en-US" dirty="0" smtClean="0"/>
-              <a:t>Basic Functionality</a:t>
-            </a:r>
-            <a:endParaRPr lang="en-US" dirty="0"/>
-          </a:p>
-        </p:txBody>
-      </p:sp>
-      <p:sp>
-        <p:nvSpPr>
-          <p:cNvPr id="3" name="Content Placeholder 2"/>
-          <p:cNvSpPr>
-            <a:spLocks noGrp="1"/>
-          </p:cNvSpPr>
+              <a:t>Our Design</a:t>
+            </a:r>
+            <a:endParaRPr lang="en-US" dirty="0"/>
+          </a:p>
+        </p:txBody>
+      </p:sp>
+      <p:pic>
+        <p:nvPicPr>
+          <p:cNvPr id="6146" name="Picture 2"/>
+          <p:cNvPicPr>
+            <a:picLocks noGrp="1" noChangeAspect="1" noChangeArrowheads="1"/>
+          </p:cNvPicPr>
           <p:nvPr>
             <p:ph idx="1"/>
           </p:nvPr>
-        </p:nvSpPr>
-        <p:spPr/>
-        <p:txBody>
-          <a:bodyPr/>
-          <a:lstStyle/>
-          <a:p>
-            <a:r>
-              <a:rPr lang="en-US" dirty="0" smtClean="0"/>
-              <a:t>User sends input to GUI</a:t>
-            </a:r>
-          </a:p>
-          <a:p>
-            <a:r>
-              <a:rPr lang="en-US" dirty="0" smtClean="0"/>
-              <a:t>GUI sends input to database</a:t>
-            </a:r>
-          </a:p>
-          <a:p>
-            <a:r>
-              <a:rPr lang="en-US" dirty="0" smtClean="0"/>
-              <a:t>Database sends output to GUI</a:t>
-            </a:r>
-          </a:p>
-          <a:p>
-            <a:r>
-              <a:rPr lang="en-US" dirty="0" smtClean="0"/>
-              <a:t>GUI sends output to user</a:t>
-            </a:r>
-          </a:p>
-        </p:txBody>
-      </p:sp>
+        </p:nvPicPr>
+        <p:blipFill>
+          <a:blip r:embed="rId3">
+            <a:extLst>
+              <a:ext uri="{28A0092B-C50C-407E-A947-70E740481C1C}">
+                <a14:useLocalDpi xmlns:a14="http://schemas.microsoft.com/office/drawing/2010/main" val="0"/>
+              </a:ext>
+            </a:extLst>
+          </a:blip>
+          <a:srcRect/>
+          <a:stretch>
+            <a:fillRect/>
+          </a:stretch>
+        </p:blipFill>
+        <p:spPr bwMode="auto">
+          <a:xfrm>
+            <a:off x="646691" y="1960518"/>
+            <a:ext cx="7850619" cy="4472180"/>
+          </a:xfrm>
+          <a:prstGeom prst="rect">
+            <a:avLst/>
+          </a:prstGeom>
+          <a:noFill/>
+          <a:ln>
+            <a:noFill/>
+          </a:ln>
+          <a:extLst>
+            <a:ext uri="{909E8E84-426E-40DD-AFC4-6F175D3DCCD1}">
+              <a14:hiddenFill xmlns:a14="http://schemas.microsoft.com/office/drawing/2010/main">
+                <a:solidFill>
+                  <a:schemeClr val="accent1"/>
+                </a:solidFill>
+              </a14:hiddenFill>
+            </a:ext>
+            <a:ext uri="{91240B29-F687-4F45-9708-019B960494DF}">
+              <a14:hiddenLine xmlns:a14="http://schemas.microsoft.com/office/drawing/2010/main" w="9525">
+                <a:solidFill>
+                  <a:schemeClr val="tx1"/>
+                </a:solidFill>
+                <a:miter lim="800000"/>
+                <a:headEnd/>
+                <a:tailEnd/>
+              </a14:hiddenLine>
+            </a:ext>
+          </a:extLst>
+        </p:spPr>
+      </p:pic>
     </p:spTree>
     <p:extLst>
       <p:ext uri="{BB962C8B-B14F-4D97-AF65-F5344CB8AC3E}">
-        <p14:creationId xmlns:p14="http://schemas.microsoft.com/office/powerpoint/2010/main" val="2714848111"/>
+        <p14:creationId xmlns:p14="http://schemas.microsoft.com/office/powerpoint/2010/main" val="527009072"/>
       </p:ext>
     </p:extLst>
   </p:cSld>
@@ -11548,7 +11214,7 @@
   <a:extraClrSchemeLst/>
   <a:extLst>
     <a:ext uri="{05A4C25C-085E-4340-85A3-A5531E510DB2}">
-      <thm15:themeFamily xmlns:thm15="http://schemas.microsoft.com/office/thememl/2012/main" xmlns="" name="Parallax" id="{3388167B-A2EB-4685-9635-1831D9AEF8C4}" vid="{93B4CCAC-FD5A-4D59-B1AC-EAF45910B5A9}"/>
+      <thm15:themeFamily xmlns:thm15="http://schemas.microsoft.com/office/thememl/2012/main" name="Parallax" id="{3388167B-A2EB-4685-9635-1831D9AEF8C4}" vid="{93B4CCAC-FD5A-4D59-B1AC-EAF45910B5A9}"/>
     </a:ext>
   </a:extLst>
 </a:theme>
